--- a/bookdown-files/images/theory-model.pptx
+++ b/bookdown-files/images/theory-model.pptx
@@ -2,7 +2,7 @@
 <file path=ppt/presentation.xml><?xml version="1.0" encoding="utf-8"?>
 <p:presentation xmlns:a="http://schemas.openxmlformats.org/drawingml/2006/main" xmlns:r="http://schemas.openxmlformats.org/officeDocument/2006/relationships" xmlns:p="http://schemas.openxmlformats.org/presentationml/2006/main" saveSubsetFonts="1">
   <p:sldMasterIdLst>
-    <p:sldMasterId id="2147483768" r:id="rId1"/>
+    <p:sldMasterId id="2147483780" r:id="rId1"/>
   </p:sldMasterIdLst>
   <p:notesMasterIdLst>
     <p:notesMasterId r:id="rId3"/>
@@ -10,7 +10,7 @@
   <p:sldIdLst>
     <p:sldId id="266" r:id="rId2"/>
   </p:sldIdLst>
-  <p:sldSz cx="5400675" cy="3600450"/>
+  <p:sldSz cx="5400675" cy="3292475"/>
   <p:notesSz cx="6858000" cy="9144000"/>
   <p:defaultTextStyle>
     <a:defPPr>
@@ -215,8 +215,8 @@
         </p:nvSpPr>
         <p:spPr>
           <a:xfrm>
-            <a:off x="1114425" y="1143000"/>
-            <a:ext cx="4629150" cy="3086100"/>
+            <a:off x="898525" y="1143000"/>
+            <a:ext cx="5060950" cy="3086100"/>
           </a:xfrm>
           <a:prstGeom prst="rect">
             <a:avLst/>
@@ -492,7 +492,12 @@
             <p:ph type="sldImg"/>
           </p:nvPr>
         </p:nvSpPr>
-        <p:spPr/>
+        <p:spPr>
+          <a:xfrm>
+            <a:off x="898525" y="1143000"/>
+            <a:ext cx="5060950" cy="3086100"/>
+          </a:xfrm>
+        </p:spPr>
       </p:sp>
       <p:sp>
         <p:nvSpPr>
@@ -551,7 +556,7 @@
 
 <file path=ppt/slideLayouts/slideLayout1.xml><?xml version="1.0" encoding="utf-8"?>
 <p:sldLayout xmlns:a="http://schemas.openxmlformats.org/drawingml/2006/main" xmlns:r="http://schemas.openxmlformats.org/officeDocument/2006/relationships" xmlns:p="http://schemas.openxmlformats.org/presentationml/2006/main" type="title" preserve="1">
-  <p:cSld name="Diapositiva de título">
+  <p:cSld name="Title Slide">
     <p:spTree>
       <p:nvGrpSpPr>
         <p:cNvPr id="1" name=""/>
@@ -578,21 +583,21 @@
         </p:nvSpPr>
         <p:spPr>
           <a:xfrm>
-            <a:off x="405051" y="589241"/>
-            <a:ext cx="4590574" cy="1253490"/>
+            <a:off x="675085" y="538838"/>
+            <a:ext cx="4050506" cy="1146269"/>
           </a:xfrm>
         </p:spPr>
         <p:txBody>
           <a:bodyPr anchor="b"/>
           <a:lstStyle>
             <a:lvl1pPr algn="ctr">
-              <a:defRPr sz="3150"/>
+              <a:defRPr sz="2658"/>
             </a:lvl1pPr>
           </a:lstStyle>
           <a:p>
             <a:r>
-              <a:rPr lang="es-ES"/>
-              <a:t>Haga clic para modificar el estilo de título del patrón</a:t>
+              <a:rPr lang="en-US" smtClean="0"/>
+              <a:t>Click to edit Master title style</a:t>
             </a:r>
             <a:endParaRPr lang="en-US" dirty="0"/>
           </a:p>
@@ -610,8 +615,8 @@
         </p:nvSpPr>
         <p:spPr>
           <a:xfrm>
-            <a:off x="675085" y="1891070"/>
-            <a:ext cx="4050506" cy="869275"/>
+            <a:off x="675085" y="1729313"/>
+            <a:ext cx="4050506" cy="794919"/>
           </a:xfrm>
         </p:spPr>
         <p:txBody>
@@ -619,45 +624,45 @@
           <a:lstStyle>
             <a:lvl1pPr marL="0" indent="0" algn="ctr">
               <a:buNone/>
-              <a:defRPr sz="1260"/>
+              <a:defRPr sz="1063"/>
             </a:lvl1pPr>
-            <a:lvl2pPr marL="240030" indent="0" algn="ctr">
-              <a:buNone/>
-              <a:defRPr sz="1050"/>
+            <a:lvl2pPr marL="202540" indent="0" algn="ctr">
+              <a:buNone/>
+              <a:defRPr sz="886"/>
             </a:lvl2pPr>
-            <a:lvl3pPr marL="480060" indent="0" algn="ctr">
-              <a:buNone/>
-              <a:defRPr sz="945"/>
+            <a:lvl3pPr marL="405079" indent="0" algn="ctr">
+              <a:buNone/>
+              <a:defRPr sz="797"/>
             </a:lvl3pPr>
-            <a:lvl4pPr marL="720090" indent="0" algn="ctr">
-              <a:buNone/>
-              <a:defRPr sz="840"/>
+            <a:lvl4pPr marL="607619" indent="0" algn="ctr">
+              <a:buNone/>
+              <a:defRPr sz="709"/>
             </a:lvl4pPr>
-            <a:lvl5pPr marL="960120" indent="0" algn="ctr">
-              <a:buNone/>
-              <a:defRPr sz="840"/>
+            <a:lvl5pPr marL="810158" indent="0" algn="ctr">
+              <a:buNone/>
+              <a:defRPr sz="709"/>
             </a:lvl5pPr>
-            <a:lvl6pPr marL="1200150" indent="0" algn="ctr">
-              <a:buNone/>
-              <a:defRPr sz="840"/>
+            <a:lvl6pPr marL="1012698" indent="0" algn="ctr">
+              <a:buNone/>
+              <a:defRPr sz="709"/>
             </a:lvl6pPr>
-            <a:lvl7pPr marL="1440180" indent="0" algn="ctr">
-              <a:buNone/>
-              <a:defRPr sz="840"/>
+            <a:lvl7pPr marL="1215238" indent="0" algn="ctr">
+              <a:buNone/>
+              <a:defRPr sz="709"/>
             </a:lvl7pPr>
-            <a:lvl8pPr marL="1680210" indent="0" algn="ctr">
-              <a:buNone/>
-              <a:defRPr sz="840"/>
+            <a:lvl8pPr marL="1417777" indent="0" algn="ctr">
+              <a:buNone/>
+              <a:defRPr sz="709"/>
             </a:lvl8pPr>
-            <a:lvl9pPr marL="1920240" indent="0" algn="ctr">
-              <a:buNone/>
-              <a:defRPr sz="840"/>
+            <a:lvl9pPr marL="1620317" indent="0" algn="ctr">
+              <a:buNone/>
+              <a:defRPr sz="709"/>
             </a:lvl9pPr>
           </a:lstStyle>
           <a:p>
             <a:r>
-              <a:rPr lang="es-ES"/>
-              <a:t>Haga clic para modificar el estilo de subtítulo del patrón</a:t>
+              <a:rPr lang="en-US" smtClean="0"/>
+              <a:t>Click to edit Master subtitle style</a:t>
             </a:r>
             <a:endParaRPr lang="en-US" dirty="0"/>
           </a:p>
@@ -731,7 +736,7 @@
     </p:spTree>
     <p:extLst>
       <p:ext uri="{BB962C8B-B14F-4D97-AF65-F5344CB8AC3E}">
-        <p14:creationId xmlns:p14="http://schemas.microsoft.com/office/powerpoint/2010/main" val="3974492312"/>
+        <p14:creationId xmlns:p14="http://schemas.microsoft.com/office/powerpoint/2010/main" val="2211073150"/>
       </p:ext>
     </p:extLst>
   </p:cSld>
@@ -743,7 +748,7 @@
 
 <file path=ppt/slideLayouts/slideLayout10.xml><?xml version="1.0" encoding="utf-8"?>
 <p:sldLayout xmlns:a="http://schemas.openxmlformats.org/drawingml/2006/main" xmlns:r="http://schemas.openxmlformats.org/officeDocument/2006/relationships" xmlns:p="http://schemas.openxmlformats.org/presentationml/2006/main" type="vertTx" preserve="1">
-  <p:cSld name="Título y texto vertical">
+  <p:cSld name="Title and Vertical Text">
     <p:spTree>
       <p:nvGrpSpPr>
         <p:cNvPr id="1" name=""/>
@@ -774,8 +779,8 @@
           <a:lstStyle/>
           <a:p>
             <a:r>
-              <a:rPr lang="es-ES"/>
-              <a:t>Haga clic para modificar el estilo de título del patrón</a:t>
+              <a:rPr lang="en-US" smtClean="0"/>
+              <a:t>Click to edit Master title style</a:t>
             </a:r>
             <a:endParaRPr lang="en-US" dirty="0"/>
           </a:p>
@@ -798,36 +803,36 @@
           <a:p>
             <a:pPr lvl="0"/>
             <a:r>
-              <a:rPr lang="es-ES"/>
-              <a:t>Haga clic para modificar los estilos de texto del patrón</a:t>
+              <a:rPr lang="en-US" smtClean="0"/>
+              <a:t>Click to edit Master text styles</a:t>
             </a:r>
           </a:p>
           <a:p>
             <a:pPr lvl="1"/>
             <a:r>
-              <a:rPr lang="es-ES"/>
-              <a:t>Segundo nivel</a:t>
+              <a:rPr lang="en-US" smtClean="0"/>
+              <a:t>Second level</a:t>
             </a:r>
           </a:p>
           <a:p>
             <a:pPr lvl="2"/>
             <a:r>
-              <a:rPr lang="es-ES"/>
-              <a:t>Tercer nivel</a:t>
+              <a:rPr lang="en-US" smtClean="0"/>
+              <a:t>Third level</a:t>
             </a:r>
           </a:p>
           <a:p>
             <a:pPr lvl="3"/>
             <a:r>
-              <a:rPr lang="es-ES"/>
-              <a:t>Cuarto nivel</a:t>
+              <a:rPr lang="en-US" smtClean="0"/>
+              <a:t>Fourth level</a:t>
             </a:r>
           </a:p>
           <a:p>
             <a:pPr lvl="4"/>
             <a:r>
-              <a:rPr lang="es-ES"/>
-              <a:t>Quinto nivel</a:t>
+              <a:rPr lang="en-US" smtClean="0"/>
+              <a:t>Fifth level</a:t>
             </a:r>
             <a:endParaRPr lang="en-US" dirty="0"/>
           </a:p>
@@ -901,7 +906,7 @@
     </p:spTree>
     <p:extLst>
       <p:ext uri="{BB962C8B-B14F-4D97-AF65-F5344CB8AC3E}">
-        <p14:creationId xmlns:p14="http://schemas.microsoft.com/office/powerpoint/2010/main" val="247889093"/>
+        <p14:creationId xmlns:p14="http://schemas.microsoft.com/office/powerpoint/2010/main" val="665677054"/>
       </p:ext>
     </p:extLst>
   </p:cSld>
@@ -913,7 +918,7 @@
 
 <file path=ppt/slideLayouts/slideLayout11.xml><?xml version="1.0" encoding="utf-8"?>
 <p:sldLayout xmlns:a="http://schemas.openxmlformats.org/drawingml/2006/main" xmlns:r="http://schemas.openxmlformats.org/officeDocument/2006/relationships" xmlns:p="http://schemas.openxmlformats.org/presentationml/2006/main" type="vertTitleAndTx" preserve="1">
-  <p:cSld name="Título vertical y texto">
+  <p:cSld name="Vertical Title and Text">
     <p:spTree>
       <p:nvGrpSpPr>
         <p:cNvPr id="1" name=""/>
@@ -940,8 +945,8 @@
         </p:nvSpPr>
         <p:spPr>
           <a:xfrm>
-            <a:off x="3864858" y="191691"/>
-            <a:ext cx="1164521" cy="3051215"/>
+            <a:off x="3864860" y="175294"/>
+            <a:ext cx="1164521" cy="2790220"/>
           </a:xfrm>
         </p:spPr>
         <p:txBody>
@@ -949,8 +954,8 @@
           <a:lstStyle/>
           <a:p>
             <a:r>
-              <a:rPr lang="es-ES"/>
-              <a:t>Haga clic para modificar el estilo de título del patrón</a:t>
+              <a:rPr lang="en-US" smtClean="0"/>
+              <a:t>Click to edit Master title style</a:t>
             </a:r>
             <a:endParaRPr lang="en-US" dirty="0"/>
           </a:p>
@@ -968,8 +973,8 @@
         </p:nvSpPr>
         <p:spPr>
           <a:xfrm>
-            <a:off x="371297" y="191691"/>
-            <a:ext cx="3426053" cy="3051215"/>
+            <a:off x="371299" y="175294"/>
+            <a:ext cx="3426053" cy="2790220"/>
           </a:xfrm>
         </p:spPr>
         <p:txBody>
@@ -978,36 +983,36 @@
           <a:p>
             <a:pPr lvl="0"/>
             <a:r>
-              <a:rPr lang="es-ES"/>
-              <a:t>Haga clic para modificar los estilos de texto del patrón</a:t>
+              <a:rPr lang="en-US" smtClean="0"/>
+              <a:t>Click to edit Master text styles</a:t>
             </a:r>
           </a:p>
           <a:p>
             <a:pPr lvl="1"/>
             <a:r>
-              <a:rPr lang="es-ES"/>
-              <a:t>Segundo nivel</a:t>
+              <a:rPr lang="en-US" smtClean="0"/>
+              <a:t>Second level</a:t>
             </a:r>
           </a:p>
           <a:p>
             <a:pPr lvl="2"/>
             <a:r>
-              <a:rPr lang="es-ES"/>
-              <a:t>Tercer nivel</a:t>
+              <a:rPr lang="en-US" smtClean="0"/>
+              <a:t>Third level</a:t>
             </a:r>
           </a:p>
           <a:p>
             <a:pPr lvl="3"/>
             <a:r>
-              <a:rPr lang="es-ES"/>
-              <a:t>Cuarto nivel</a:t>
+              <a:rPr lang="en-US" smtClean="0"/>
+              <a:t>Fourth level</a:t>
             </a:r>
           </a:p>
           <a:p>
             <a:pPr lvl="4"/>
             <a:r>
-              <a:rPr lang="es-ES"/>
-              <a:t>Quinto nivel</a:t>
+              <a:rPr lang="en-US" smtClean="0"/>
+              <a:t>Fifth level</a:t>
             </a:r>
             <a:endParaRPr lang="en-US" dirty="0"/>
           </a:p>
@@ -1081,7 +1086,7 @@
     </p:spTree>
     <p:extLst>
       <p:ext uri="{BB962C8B-B14F-4D97-AF65-F5344CB8AC3E}">
-        <p14:creationId xmlns:p14="http://schemas.microsoft.com/office/powerpoint/2010/main" val="3048045499"/>
+        <p14:creationId xmlns:p14="http://schemas.microsoft.com/office/powerpoint/2010/main" val="3746398505"/>
       </p:ext>
     </p:extLst>
   </p:cSld>
@@ -1093,7 +1098,7 @@
 
 <file path=ppt/slideLayouts/slideLayout2.xml><?xml version="1.0" encoding="utf-8"?>
 <p:sldLayout xmlns:a="http://schemas.openxmlformats.org/drawingml/2006/main" xmlns:r="http://schemas.openxmlformats.org/officeDocument/2006/relationships" xmlns:p="http://schemas.openxmlformats.org/presentationml/2006/main" type="obj" preserve="1">
-  <p:cSld name="Título y objetos">
+  <p:cSld name="Title and Content">
     <p:spTree>
       <p:nvGrpSpPr>
         <p:cNvPr id="1" name=""/>
@@ -1124,8 +1129,8 @@
           <a:lstStyle/>
           <a:p>
             <a:r>
-              <a:rPr lang="es-ES"/>
-              <a:t>Haga clic para modificar el estilo de título del patrón</a:t>
+              <a:rPr lang="en-US" smtClean="0"/>
+              <a:t>Click to edit Master title style</a:t>
             </a:r>
             <a:endParaRPr lang="en-US" dirty="0"/>
           </a:p>
@@ -1148,36 +1153,36 @@
           <a:p>
             <a:pPr lvl="0"/>
             <a:r>
-              <a:rPr lang="es-ES"/>
-              <a:t>Haga clic para modificar los estilos de texto del patrón</a:t>
+              <a:rPr lang="en-US" smtClean="0"/>
+              <a:t>Click to edit Master text styles</a:t>
             </a:r>
           </a:p>
           <a:p>
             <a:pPr lvl="1"/>
             <a:r>
-              <a:rPr lang="es-ES"/>
-              <a:t>Segundo nivel</a:t>
+              <a:rPr lang="en-US" smtClean="0"/>
+              <a:t>Second level</a:t>
             </a:r>
           </a:p>
           <a:p>
             <a:pPr lvl="2"/>
             <a:r>
-              <a:rPr lang="es-ES"/>
-              <a:t>Tercer nivel</a:t>
+              <a:rPr lang="en-US" smtClean="0"/>
+              <a:t>Third level</a:t>
             </a:r>
           </a:p>
           <a:p>
             <a:pPr lvl="3"/>
             <a:r>
-              <a:rPr lang="es-ES"/>
-              <a:t>Cuarto nivel</a:t>
+              <a:rPr lang="en-US" smtClean="0"/>
+              <a:t>Fourth level</a:t>
             </a:r>
           </a:p>
           <a:p>
             <a:pPr lvl="4"/>
             <a:r>
-              <a:rPr lang="es-ES"/>
-              <a:t>Quinto nivel</a:t>
+              <a:rPr lang="en-US" smtClean="0"/>
+              <a:t>Fifth level</a:t>
             </a:r>
             <a:endParaRPr lang="en-US" dirty="0"/>
           </a:p>
@@ -1251,7 +1256,7 @@
     </p:spTree>
     <p:extLst>
       <p:ext uri="{BB962C8B-B14F-4D97-AF65-F5344CB8AC3E}">
-        <p14:creationId xmlns:p14="http://schemas.microsoft.com/office/powerpoint/2010/main" val="587572280"/>
+        <p14:creationId xmlns:p14="http://schemas.microsoft.com/office/powerpoint/2010/main" val="1661131548"/>
       </p:ext>
     </p:extLst>
   </p:cSld>
@@ -1263,7 +1268,7 @@
 
 <file path=ppt/slideLayouts/slideLayout3.xml><?xml version="1.0" encoding="utf-8"?>
 <p:sldLayout xmlns:a="http://schemas.openxmlformats.org/drawingml/2006/main" xmlns:r="http://schemas.openxmlformats.org/officeDocument/2006/relationships" xmlns:p="http://schemas.openxmlformats.org/presentationml/2006/main" type="secHead" preserve="1">
-  <p:cSld name="Encabezado de sección">
+  <p:cSld name="Section Header">
     <p:spTree>
       <p:nvGrpSpPr>
         <p:cNvPr id="1" name=""/>
@@ -1290,21 +1295,21 @@
         </p:nvSpPr>
         <p:spPr>
           <a:xfrm>
-            <a:off x="368484" y="897613"/>
-            <a:ext cx="4658082" cy="1497687"/>
+            <a:off x="368484" y="820834"/>
+            <a:ext cx="4658082" cy="1369578"/>
           </a:xfrm>
         </p:spPr>
         <p:txBody>
           <a:bodyPr anchor="b"/>
           <a:lstStyle>
             <a:lvl1pPr>
-              <a:defRPr sz="3150"/>
+              <a:defRPr sz="2658"/>
             </a:lvl1pPr>
           </a:lstStyle>
           <a:p>
             <a:r>
-              <a:rPr lang="es-ES"/>
-              <a:t>Haga clic para modificar el estilo de título del patrón</a:t>
+              <a:rPr lang="en-US" smtClean="0"/>
+              <a:t>Click to edit Master title style</a:t>
             </a:r>
             <a:endParaRPr lang="en-US" dirty="0"/>
           </a:p>
@@ -1322,8 +1327,8 @@
         </p:nvSpPr>
         <p:spPr>
           <a:xfrm>
-            <a:off x="368484" y="2409469"/>
-            <a:ext cx="4658082" cy="787598"/>
+            <a:off x="368484" y="2203368"/>
+            <a:ext cx="4658082" cy="720229"/>
           </a:xfrm>
         </p:spPr>
         <p:txBody>
@@ -1331,15 +1336,17 @@
           <a:lstStyle>
             <a:lvl1pPr marL="0" indent="0">
               <a:buNone/>
-              <a:defRPr sz="1260">
+              <a:defRPr sz="1063">
                 <a:solidFill>
-                  <a:schemeClr val="tx1"/>
+                  <a:schemeClr val="tx1">
+                    <a:tint val="75000"/>
+                  </a:schemeClr>
                 </a:solidFill>
               </a:defRPr>
             </a:lvl1pPr>
-            <a:lvl2pPr marL="240030" indent="0">
-              <a:buNone/>
-              <a:defRPr sz="1050">
+            <a:lvl2pPr marL="202540" indent="0">
+              <a:buNone/>
+              <a:defRPr sz="886">
                 <a:solidFill>
                   <a:schemeClr val="tx1">
                     <a:tint val="75000"/>
@@ -1347,9 +1354,9 @@
                 </a:solidFill>
               </a:defRPr>
             </a:lvl2pPr>
-            <a:lvl3pPr marL="480060" indent="0">
-              <a:buNone/>
-              <a:defRPr sz="945">
+            <a:lvl3pPr marL="405079" indent="0">
+              <a:buNone/>
+              <a:defRPr sz="797">
                 <a:solidFill>
                   <a:schemeClr val="tx1">
                     <a:tint val="75000"/>
@@ -1357,9 +1364,9 @@
                 </a:solidFill>
               </a:defRPr>
             </a:lvl3pPr>
-            <a:lvl4pPr marL="720090" indent="0">
-              <a:buNone/>
-              <a:defRPr sz="840">
+            <a:lvl4pPr marL="607619" indent="0">
+              <a:buNone/>
+              <a:defRPr sz="709">
                 <a:solidFill>
                   <a:schemeClr val="tx1">
                     <a:tint val="75000"/>
@@ -1367,9 +1374,9 @@
                 </a:solidFill>
               </a:defRPr>
             </a:lvl4pPr>
-            <a:lvl5pPr marL="960120" indent="0">
-              <a:buNone/>
-              <a:defRPr sz="840">
+            <a:lvl5pPr marL="810158" indent="0">
+              <a:buNone/>
+              <a:defRPr sz="709">
                 <a:solidFill>
                   <a:schemeClr val="tx1">
                     <a:tint val="75000"/>
@@ -1377,9 +1384,9 @@
                 </a:solidFill>
               </a:defRPr>
             </a:lvl5pPr>
-            <a:lvl6pPr marL="1200150" indent="0">
-              <a:buNone/>
-              <a:defRPr sz="840">
+            <a:lvl6pPr marL="1012698" indent="0">
+              <a:buNone/>
+              <a:defRPr sz="709">
                 <a:solidFill>
                   <a:schemeClr val="tx1">
                     <a:tint val="75000"/>
@@ -1387,9 +1394,9 @@
                 </a:solidFill>
               </a:defRPr>
             </a:lvl6pPr>
-            <a:lvl7pPr marL="1440180" indent="0">
-              <a:buNone/>
-              <a:defRPr sz="840">
+            <a:lvl7pPr marL="1215238" indent="0">
+              <a:buNone/>
+              <a:defRPr sz="709">
                 <a:solidFill>
                   <a:schemeClr val="tx1">
                     <a:tint val="75000"/>
@@ -1397,9 +1404,9 @@
                 </a:solidFill>
               </a:defRPr>
             </a:lvl7pPr>
-            <a:lvl8pPr marL="1680210" indent="0">
-              <a:buNone/>
-              <a:defRPr sz="840">
+            <a:lvl8pPr marL="1417777" indent="0">
+              <a:buNone/>
+              <a:defRPr sz="709">
                 <a:solidFill>
                   <a:schemeClr val="tx1">
                     <a:tint val="75000"/>
@@ -1407,9 +1414,9 @@
                 </a:solidFill>
               </a:defRPr>
             </a:lvl8pPr>
-            <a:lvl9pPr marL="1920240" indent="0">
-              <a:buNone/>
-              <a:defRPr sz="840">
+            <a:lvl9pPr marL="1620317" indent="0">
+              <a:buNone/>
+              <a:defRPr sz="709">
                 <a:solidFill>
                   <a:schemeClr val="tx1">
                     <a:tint val="75000"/>
@@ -1421,8 +1428,8 @@
           <a:p>
             <a:pPr lvl="0"/>
             <a:r>
-              <a:rPr lang="es-ES"/>
-              <a:t>Haga clic para modificar los estilos de texto del patrón</a:t>
+              <a:rPr lang="en-US" smtClean="0"/>
+              <a:t>Click to edit Master text styles</a:t>
             </a:r>
           </a:p>
         </p:txBody>
@@ -1495,7 +1502,7 @@
     </p:spTree>
     <p:extLst>
       <p:ext uri="{BB962C8B-B14F-4D97-AF65-F5344CB8AC3E}">
-        <p14:creationId xmlns:p14="http://schemas.microsoft.com/office/powerpoint/2010/main" val="3720515652"/>
+        <p14:creationId xmlns:p14="http://schemas.microsoft.com/office/powerpoint/2010/main" val="1886233494"/>
       </p:ext>
     </p:extLst>
   </p:cSld>
@@ -1507,7 +1514,7 @@
 
 <file path=ppt/slideLayouts/slideLayout4.xml><?xml version="1.0" encoding="utf-8"?>
 <p:sldLayout xmlns:a="http://schemas.openxmlformats.org/drawingml/2006/main" xmlns:r="http://schemas.openxmlformats.org/officeDocument/2006/relationships" xmlns:p="http://schemas.openxmlformats.org/presentationml/2006/main" type="twoObj" preserve="1">
-  <p:cSld name="Dos objetos">
+  <p:cSld name="Two Content">
     <p:spTree>
       <p:nvGrpSpPr>
         <p:cNvPr id="1" name=""/>
@@ -1538,8 +1545,8 @@
           <a:lstStyle/>
           <a:p>
             <a:r>
-              <a:rPr lang="es-ES"/>
-              <a:t>Haga clic para modificar el estilo de título del patrón</a:t>
+              <a:rPr lang="en-US" smtClean="0"/>
+              <a:t>Click to edit Master title style</a:t>
             </a:r>
             <a:endParaRPr lang="en-US" dirty="0"/>
           </a:p>
@@ -1557,8 +1564,8 @@
         </p:nvSpPr>
         <p:spPr>
           <a:xfrm>
-            <a:off x="371296" y="958453"/>
-            <a:ext cx="2295287" cy="2284452"/>
+            <a:off x="371298" y="876470"/>
+            <a:ext cx="2295287" cy="2089045"/>
           </a:xfrm>
         </p:spPr>
         <p:txBody>
@@ -1567,36 +1574,36 @@
           <a:p>
             <a:pPr lvl="0"/>
             <a:r>
-              <a:rPr lang="es-ES"/>
-              <a:t>Haga clic para modificar los estilos de texto del patrón</a:t>
+              <a:rPr lang="en-US" smtClean="0"/>
+              <a:t>Click to edit Master text styles</a:t>
             </a:r>
           </a:p>
           <a:p>
             <a:pPr lvl="1"/>
             <a:r>
-              <a:rPr lang="es-ES"/>
-              <a:t>Segundo nivel</a:t>
+              <a:rPr lang="en-US" smtClean="0"/>
+              <a:t>Second level</a:t>
             </a:r>
           </a:p>
           <a:p>
             <a:pPr lvl="2"/>
             <a:r>
-              <a:rPr lang="es-ES"/>
-              <a:t>Tercer nivel</a:t>
+              <a:rPr lang="en-US" smtClean="0"/>
+              <a:t>Third level</a:t>
             </a:r>
           </a:p>
           <a:p>
             <a:pPr lvl="3"/>
             <a:r>
-              <a:rPr lang="es-ES"/>
-              <a:t>Cuarto nivel</a:t>
+              <a:rPr lang="en-US" smtClean="0"/>
+              <a:t>Fourth level</a:t>
             </a:r>
           </a:p>
           <a:p>
             <a:pPr lvl="4"/>
             <a:r>
-              <a:rPr lang="es-ES"/>
-              <a:t>Quinto nivel</a:t>
+              <a:rPr lang="en-US" smtClean="0"/>
+              <a:t>Fifth level</a:t>
             </a:r>
             <a:endParaRPr lang="en-US" dirty="0"/>
           </a:p>
@@ -1614,8 +1621,8 @@
         </p:nvSpPr>
         <p:spPr>
           <a:xfrm>
-            <a:off x="2734092" y="958453"/>
-            <a:ext cx="2295287" cy="2284452"/>
+            <a:off x="2734094" y="876470"/>
+            <a:ext cx="2295287" cy="2089045"/>
           </a:xfrm>
         </p:spPr>
         <p:txBody>
@@ -1624,36 +1631,36 @@
           <a:p>
             <a:pPr lvl="0"/>
             <a:r>
-              <a:rPr lang="es-ES"/>
-              <a:t>Haga clic para modificar los estilos de texto del patrón</a:t>
+              <a:rPr lang="en-US" smtClean="0"/>
+              <a:t>Click to edit Master text styles</a:t>
             </a:r>
           </a:p>
           <a:p>
             <a:pPr lvl="1"/>
             <a:r>
-              <a:rPr lang="es-ES"/>
-              <a:t>Segundo nivel</a:t>
+              <a:rPr lang="en-US" smtClean="0"/>
+              <a:t>Second level</a:t>
             </a:r>
           </a:p>
           <a:p>
             <a:pPr lvl="2"/>
             <a:r>
-              <a:rPr lang="es-ES"/>
-              <a:t>Tercer nivel</a:t>
+              <a:rPr lang="en-US" smtClean="0"/>
+              <a:t>Third level</a:t>
             </a:r>
           </a:p>
           <a:p>
             <a:pPr lvl="3"/>
             <a:r>
-              <a:rPr lang="es-ES"/>
-              <a:t>Cuarto nivel</a:t>
+              <a:rPr lang="en-US" smtClean="0"/>
+              <a:t>Fourth level</a:t>
             </a:r>
           </a:p>
           <a:p>
             <a:pPr lvl="4"/>
             <a:r>
-              <a:rPr lang="es-ES"/>
-              <a:t>Quinto nivel</a:t>
+              <a:rPr lang="en-US" smtClean="0"/>
+              <a:t>Fifth level</a:t>
             </a:r>
             <a:endParaRPr lang="en-US" dirty="0"/>
           </a:p>
@@ -1727,7 +1734,7 @@
     </p:spTree>
     <p:extLst>
       <p:ext uri="{BB962C8B-B14F-4D97-AF65-F5344CB8AC3E}">
-        <p14:creationId xmlns:p14="http://schemas.microsoft.com/office/powerpoint/2010/main" val="3930704144"/>
+        <p14:creationId xmlns:p14="http://schemas.microsoft.com/office/powerpoint/2010/main" val="4117631998"/>
       </p:ext>
     </p:extLst>
   </p:cSld>
@@ -1739,7 +1746,7 @@
 
 <file path=ppt/slideLayouts/slideLayout5.xml><?xml version="1.0" encoding="utf-8"?>
 <p:sldLayout xmlns:a="http://schemas.openxmlformats.org/drawingml/2006/main" xmlns:r="http://schemas.openxmlformats.org/officeDocument/2006/relationships" xmlns:p="http://schemas.openxmlformats.org/presentationml/2006/main" type="twoTxTwoObj" preserve="1">
-  <p:cSld name="Comparación">
+  <p:cSld name="Comparison">
     <p:spTree>
       <p:nvGrpSpPr>
         <p:cNvPr id="1" name=""/>
@@ -1766,17 +1773,17 @@
         </p:nvSpPr>
         <p:spPr>
           <a:xfrm>
-            <a:off x="372000" y="191691"/>
-            <a:ext cx="4658082" cy="695921"/>
-          </a:xfrm>
-        </p:spPr>
-        <p:txBody>
-          <a:bodyPr/>
-          <a:lstStyle/>
-          <a:p>
-            <a:r>
-              <a:rPr lang="es-ES"/>
-              <a:t>Haga clic para modificar el estilo de título del patrón</a:t>
+            <a:off x="372000" y="175295"/>
+            <a:ext cx="4658082" cy="636393"/>
+          </a:xfrm>
+        </p:spPr>
+        <p:txBody>
+          <a:bodyPr/>
+          <a:lstStyle/>
+          <a:p>
+            <a:r>
+              <a:rPr lang="en-US" smtClean="0"/>
+              <a:t>Click to edit Master title style</a:t>
             </a:r>
             <a:endParaRPr lang="en-US" dirty="0"/>
           </a:p>
@@ -1794,8 +1801,8 @@
         </p:nvSpPr>
         <p:spPr>
           <a:xfrm>
-            <a:off x="372001" y="882610"/>
-            <a:ext cx="2284738" cy="432554"/>
+            <a:off x="372000" y="807114"/>
+            <a:ext cx="2284738" cy="395554"/>
           </a:xfrm>
         </p:spPr>
         <p:txBody>
@@ -1803,46 +1810,46 @@
           <a:lstStyle>
             <a:lvl1pPr marL="0" indent="0">
               <a:buNone/>
-              <a:defRPr sz="1260" b="1"/>
+              <a:defRPr sz="1063" b="1"/>
             </a:lvl1pPr>
-            <a:lvl2pPr marL="240030" indent="0">
-              <a:buNone/>
-              <a:defRPr sz="1050" b="1"/>
+            <a:lvl2pPr marL="202540" indent="0">
+              <a:buNone/>
+              <a:defRPr sz="886" b="1"/>
             </a:lvl2pPr>
-            <a:lvl3pPr marL="480060" indent="0">
-              <a:buNone/>
-              <a:defRPr sz="945" b="1"/>
+            <a:lvl3pPr marL="405079" indent="0">
+              <a:buNone/>
+              <a:defRPr sz="797" b="1"/>
             </a:lvl3pPr>
-            <a:lvl4pPr marL="720090" indent="0">
-              <a:buNone/>
-              <a:defRPr sz="840" b="1"/>
+            <a:lvl4pPr marL="607619" indent="0">
+              <a:buNone/>
+              <a:defRPr sz="709" b="1"/>
             </a:lvl4pPr>
-            <a:lvl5pPr marL="960120" indent="0">
-              <a:buNone/>
-              <a:defRPr sz="840" b="1"/>
+            <a:lvl5pPr marL="810158" indent="0">
+              <a:buNone/>
+              <a:defRPr sz="709" b="1"/>
             </a:lvl5pPr>
-            <a:lvl6pPr marL="1200150" indent="0">
-              <a:buNone/>
-              <a:defRPr sz="840" b="1"/>
+            <a:lvl6pPr marL="1012698" indent="0">
+              <a:buNone/>
+              <a:defRPr sz="709" b="1"/>
             </a:lvl6pPr>
-            <a:lvl7pPr marL="1440180" indent="0">
-              <a:buNone/>
-              <a:defRPr sz="840" b="1"/>
+            <a:lvl7pPr marL="1215238" indent="0">
+              <a:buNone/>
+              <a:defRPr sz="709" b="1"/>
             </a:lvl7pPr>
-            <a:lvl8pPr marL="1680210" indent="0">
-              <a:buNone/>
-              <a:defRPr sz="840" b="1"/>
+            <a:lvl8pPr marL="1417777" indent="0">
+              <a:buNone/>
+              <a:defRPr sz="709" b="1"/>
             </a:lvl8pPr>
-            <a:lvl9pPr marL="1920240" indent="0">
-              <a:buNone/>
-              <a:defRPr sz="840" b="1"/>
+            <a:lvl9pPr marL="1620317" indent="0">
+              <a:buNone/>
+              <a:defRPr sz="709" b="1"/>
             </a:lvl9pPr>
           </a:lstStyle>
           <a:p>
             <a:pPr lvl="0"/>
             <a:r>
-              <a:rPr lang="es-ES"/>
-              <a:t>Haga clic para modificar los estilos de texto del patrón</a:t>
+              <a:rPr lang="en-US" smtClean="0"/>
+              <a:t>Click to edit Master text styles</a:t>
             </a:r>
           </a:p>
         </p:txBody>
@@ -1859,8 +1866,8 @@
         </p:nvSpPr>
         <p:spPr>
           <a:xfrm>
-            <a:off x="372001" y="1315164"/>
-            <a:ext cx="2284738" cy="1934409"/>
+            <a:off x="372000" y="1202669"/>
+            <a:ext cx="2284738" cy="1768943"/>
           </a:xfrm>
         </p:spPr>
         <p:txBody>
@@ -1869,36 +1876,36 @@
           <a:p>
             <a:pPr lvl="0"/>
             <a:r>
-              <a:rPr lang="es-ES"/>
-              <a:t>Haga clic para modificar los estilos de texto del patrón</a:t>
+              <a:rPr lang="en-US" smtClean="0"/>
+              <a:t>Click to edit Master text styles</a:t>
             </a:r>
           </a:p>
           <a:p>
             <a:pPr lvl="1"/>
             <a:r>
-              <a:rPr lang="es-ES"/>
-              <a:t>Segundo nivel</a:t>
+              <a:rPr lang="en-US" smtClean="0"/>
+              <a:t>Second level</a:t>
             </a:r>
           </a:p>
           <a:p>
             <a:pPr lvl="2"/>
             <a:r>
-              <a:rPr lang="es-ES"/>
-              <a:t>Tercer nivel</a:t>
+              <a:rPr lang="en-US" smtClean="0"/>
+              <a:t>Third level</a:t>
             </a:r>
           </a:p>
           <a:p>
             <a:pPr lvl="3"/>
             <a:r>
-              <a:rPr lang="es-ES"/>
-              <a:t>Cuarto nivel</a:t>
+              <a:rPr lang="en-US" smtClean="0"/>
+              <a:t>Fourth level</a:t>
             </a:r>
           </a:p>
           <a:p>
             <a:pPr lvl="4"/>
             <a:r>
-              <a:rPr lang="es-ES"/>
-              <a:t>Quinto nivel</a:t>
+              <a:rPr lang="en-US" smtClean="0"/>
+              <a:t>Fifth level</a:t>
             </a:r>
             <a:endParaRPr lang="en-US" dirty="0"/>
           </a:p>
@@ -1916,8 +1923,8 @@
         </p:nvSpPr>
         <p:spPr>
           <a:xfrm>
-            <a:off x="2734092" y="882610"/>
-            <a:ext cx="2295990" cy="432554"/>
+            <a:off x="2734092" y="807114"/>
+            <a:ext cx="2295990" cy="395554"/>
           </a:xfrm>
         </p:spPr>
         <p:txBody>
@@ -1925,46 +1932,46 @@
           <a:lstStyle>
             <a:lvl1pPr marL="0" indent="0">
               <a:buNone/>
-              <a:defRPr sz="1260" b="1"/>
+              <a:defRPr sz="1063" b="1"/>
             </a:lvl1pPr>
-            <a:lvl2pPr marL="240030" indent="0">
-              <a:buNone/>
-              <a:defRPr sz="1050" b="1"/>
+            <a:lvl2pPr marL="202540" indent="0">
+              <a:buNone/>
+              <a:defRPr sz="886" b="1"/>
             </a:lvl2pPr>
-            <a:lvl3pPr marL="480060" indent="0">
-              <a:buNone/>
-              <a:defRPr sz="945" b="1"/>
+            <a:lvl3pPr marL="405079" indent="0">
+              <a:buNone/>
+              <a:defRPr sz="797" b="1"/>
             </a:lvl3pPr>
-            <a:lvl4pPr marL="720090" indent="0">
-              <a:buNone/>
-              <a:defRPr sz="840" b="1"/>
+            <a:lvl4pPr marL="607619" indent="0">
+              <a:buNone/>
+              <a:defRPr sz="709" b="1"/>
             </a:lvl4pPr>
-            <a:lvl5pPr marL="960120" indent="0">
-              <a:buNone/>
-              <a:defRPr sz="840" b="1"/>
+            <a:lvl5pPr marL="810158" indent="0">
+              <a:buNone/>
+              <a:defRPr sz="709" b="1"/>
             </a:lvl5pPr>
-            <a:lvl6pPr marL="1200150" indent="0">
-              <a:buNone/>
-              <a:defRPr sz="840" b="1"/>
+            <a:lvl6pPr marL="1012698" indent="0">
+              <a:buNone/>
+              <a:defRPr sz="709" b="1"/>
             </a:lvl6pPr>
-            <a:lvl7pPr marL="1440180" indent="0">
-              <a:buNone/>
-              <a:defRPr sz="840" b="1"/>
+            <a:lvl7pPr marL="1215238" indent="0">
+              <a:buNone/>
+              <a:defRPr sz="709" b="1"/>
             </a:lvl7pPr>
-            <a:lvl8pPr marL="1680210" indent="0">
-              <a:buNone/>
-              <a:defRPr sz="840" b="1"/>
+            <a:lvl8pPr marL="1417777" indent="0">
+              <a:buNone/>
+              <a:defRPr sz="709" b="1"/>
             </a:lvl8pPr>
-            <a:lvl9pPr marL="1920240" indent="0">
-              <a:buNone/>
-              <a:defRPr sz="840" b="1"/>
+            <a:lvl9pPr marL="1620317" indent="0">
+              <a:buNone/>
+              <a:defRPr sz="709" b="1"/>
             </a:lvl9pPr>
           </a:lstStyle>
           <a:p>
             <a:pPr lvl="0"/>
             <a:r>
-              <a:rPr lang="es-ES"/>
-              <a:t>Haga clic para modificar los estilos de texto del patrón</a:t>
+              <a:rPr lang="en-US" smtClean="0"/>
+              <a:t>Click to edit Master text styles</a:t>
             </a:r>
           </a:p>
         </p:txBody>
@@ -1981,8 +1988,8 @@
         </p:nvSpPr>
         <p:spPr>
           <a:xfrm>
-            <a:off x="2734092" y="1315164"/>
-            <a:ext cx="2295990" cy="1934409"/>
+            <a:off x="2734092" y="1202669"/>
+            <a:ext cx="2295990" cy="1768943"/>
           </a:xfrm>
         </p:spPr>
         <p:txBody>
@@ -1991,36 +1998,36 @@
           <a:p>
             <a:pPr lvl="0"/>
             <a:r>
-              <a:rPr lang="es-ES"/>
-              <a:t>Haga clic para modificar los estilos de texto del patrón</a:t>
+              <a:rPr lang="en-US" smtClean="0"/>
+              <a:t>Click to edit Master text styles</a:t>
             </a:r>
           </a:p>
           <a:p>
             <a:pPr lvl="1"/>
             <a:r>
-              <a:rPr lang="es-ES"/>
-              <a:t>Segundo nivel</a:t>
+              <a:rPr lang="en-US" smtClean="0"/>
+              <a:t>Second level</a:t>
             </a:r>
           </a:p>
           <a:p>
             <a:pPr lvl="2"/>
             <a:r>
-              <a:rPr lang="es-ES"/>
-              <a:t>Tercer nivel</a:t>
+              <a:rPr lang="en-US" smtClean="0"/>
+              <a:t>Third level</a:t>
             </a:r>
           </a:p>
           <a:p>
             <a:pPr lvl="3"/>
             <a:r>
-              <a:rPr lang="es-ES"/>
-              <a:t>Cuarto nivel</a:t>
+              <a:rPr lang="en-US" smtClean="0"/>
+              <a:t>Fourth level</a:t>
             </a:r>
           </a:p>
           <a:p>
             <a:pPr lvl="4"/>
             <a:r>
-              <a:rPr lang="es-ES"/>
-              <a:t>Quinto nivel</a:t>
+              <a:rPr lang="en-US" smtClean="0"/>
+              <a:t>Fifth level</a:t>
             </a:r>
             <a:endParaRPr lang="en-US" dirty="0"/>
           </a:p>
@@ -2094,7 +2101,7 @@
     </p:spTree>
     <p:extLst>
       <p:ext uri="{BB962C8B-B14F-4D97-AF65-F5344CB8AC3E}">
-        <p14:creationId xmlns:p14="http://schemas.microsoft.com/office/powerpoint/2010/main" val="592873353"/>
+        <p14:creationId xmlns:p14="http://schemas.microsoft.com/office/powerpoint/2010/main" val="1691453941"/>
       </p:ext>
     </p:extLst>
   </p:cSld>
@@ -2106,7 +2113,7 @@
 
 <file path=ppt/slideLayouts/slideLayout6.xml><?xml version="1.0" encoding="utf-8"?>
 <p:sldLayout xmlns:a="http://schemas.openxmlformats.org/drawingml/2006/main" xmlns:r="http://schemas.openxmlformats.org/officeDocument/2006/relationships" xmlns:p="http://schemas.openxmlformats.org/presentationml/2006/main" type="titleOnly" preserve="1">
-  <p:cSld name="Solo el título">
+  <p:cSld name="Title Only">
     <p:spTree>
       <p:nvGrpSpPr>
         <p:cNvPr id="1" name=""/>
@@ -2137,8 +2144,8 @@
           <a:lstStyle/>
           <a:p>
             <a:r>
-              <a:rPr lang="es-ES"/>
-              <a:t>Haga clic para modificar el estilo de título del patrón</a:t>
+              <a:rPr lang="en-US" smtClean="0"/>
+              <a:t>Click to edit Master title style</a:t>
             </a:r>
             <a:endParaRPr lang="en-US" dirty="0"/>
           </a:p>
@@ -2212,7 +2219,7 @@
     </p:spTree>
     <p:extLst>
       <p:ext uri="{BB962C8B-B14F-4D97-AF65-F5344CB8AC3E}">
-        <p14:creationId xmlns:p14="http://schemas.microsoft.com/office/powerpoint/2010/main" val="2284086135"/>
+        <p14:creationId xmlns:p14="http://schemas.microsoft.com/office/powerpoint/2010/main" val="1202896346"/>
       </p:ext>
     </p:extLst>
   </p:cSld>
@@ -2224,7 +2231,7 @@
 
 <file path=ppt/slideLayouts/slideLayout7.xml><?xml version="1.0" encoding="utf-8"?>
 <p:sldLayout xmlns:a="http://schemas.openxmlformats.org/drawingml/2006/main" xmlns:r="http://schemas.openxmlformats.org/officeDocument/2006/relationships" xmlns:p="http://schemas.openxmlformats.org/presentationml/2006/main" type="blank" preserve="1">
-  <p:cSld name="En blanco">
+  <p:cSld name="Blank">
     <p:spTree>
       <p:nvGrpSpPr>
         <p:cNvPr id="1" name=""/>
@@ -2307,7 +2314,7 @@
     </p:spTree>
     <p:extLst>
       <p:ext uri="{BB962C8B-B14F-4D97-AF65-F5344CB8AC3E}">
-        <p14:creationId xmlns:p14="http://schemas.microsoft.com/office/powerpoint/2010/main" val="2058111301"/>
+        <p14:creationId xmlns:p14="http://schemas.microsoft.com/office/powerpoint/2010/main" val="103015098"/>
       </p:ext>
     </p:extLst>
   </p:cSld>
@@ -2319,7 +2326,7 @@
 
 <file path=ppt/slideLayouts/slideLayout8.xml><?xml version="1.0" encoding="utf-8"?>
 <p:sldLayout xmlns:a="http://schemas.openxmlformats.org/drawingml/2006/main" xmlns:r="http://schemas.openxmlformats.org/officeDocument/2006/relationships" xmlns:p="http://schemas.openxmlformats.org/presentationml/2006/main" type="objTx" preserve="1">
-  <p:cSld name="Contenido con título">
+  <p:cSld name="Content with Caption">
     <p:spTree>
       <p:nvGrpSpPr>
         <p:cNvPr id="1" name=""/>
@@ -2346,21 +2353,21 @@
         </p:nvSpPr>
         <p:spPr>
           <a:xfrm>
-            <a:off x="372000" y="240030"/>
-            <a:ext cx="1741858" cy="840105"/>
+            <a:off x="372000" y="219498"/>
+            <a:ext cx="1741858" cy="768244"/>
           </a:xfrm>
         </p:spPr>
         <p:txBody>
           <a:bodyPr anchor="b"/>
           <a:lstStyle>
             <a:lvl1pPr>
-              <a:defRPr sz="1680"/>
+              <a:defRPr sz="1418"/>
             </a:lvl1pPr>
           </a:lstStyle>
           <a:p>
             <a:r>
-              <a:rPr lang="es-ES"/>
-              <a:t>Haga clic para modificar el estilo de título del patrón</a:t>
+              <a:rPr lang="en-US" smtClean="0"/>
+              <a:t>Click to edit Master title style</a:t>
             </a:r>
             <a:endParaRPr lang="en-US" dirty="0"/>
           </a:p>
@@ -2378,74 +2385,74 @@
         </p:nvSpPr>
         <p:spPr>
           <a:xfrm>
-            <a:off x="2295990" y="518399"/>
-            <a:ext cx="2734092" cy="2558653"/>
+            <a:off x="2295990" y="474057"/>
+            <a:ext cx="2734092" cy="2339791"/>
           </a:xfrm>
         </p:spPr>
         <p:txBody>
           <a:bodyPr/>
           <a:lstStyle>
             <a:lvl1pPr>
-              <a:defRPr sz="1680"/>
+              <a:defRPr sz="1418"/>
             </a:lvl1pPr>
             <a:lvl2pPr>
-              <a:defRPr sz="1470"/>
+              <a:defRPr sz="1240"/>
             </a:lvl2pPr>
             <a:lvl3pPr>
-              <a:defRPr sz="1260"/>
+              <a:defRPr sz="1063"/>
             </a:lvl3pPr>
             <a:lvl4pPr>
-              <a:defRPr sz="1050"/>
+              <a:defRPr sz="886"/>
             </a:lvl4pPr>
             <a:lvl5pPr>
-              <a:defRPr sz="1050"/>
+              <a:defRPr sz="886"/>
             </a:lvl5pPr>
             <a:lvl6pPr>
-              <a:defRPr sz="1050"/>
+              <a:defRPr sz="886"/>
             </a:lvl6pPr>
             <a:lvl7pPr>
-              <a:defRPr sz="1050"/>
+              <a:defRPr sz="886"/>
             </a:lvl7pPr>
             <a:lvl8pPr>
-              <a:defRPr sz="1050"/>
+              <a:defRPr sz="886"/>
             </a:lvl8pPr>
             <a:lvl9pPr>
-              <a:defRPr sz="1050"/>
+              <a:defRPr sz="886"/>
             </a:lvl9pPr>
           </a:lstStyle>
           <a:p>
             <a:pPr lvl="0"/>
             <a:r>
-              <a:rPr lang="es-ES"/>
-              <a:t>Haga clic para modificar los estilos de texto del patrón</a:t>
+              <a:rPr lang="en-US" smtClean="0"/>
+              <a:t>Click to edit Master text styles</a:t>
             </a:r>
           </a:p>
           <a:p>
             <a:pPr lvl="1"/>
             <a:r>
-              <a:rPr lang="es-ES"/>
-              <a:t>Segundo nivel</a:t>
+              <a:rPr lang="en-US" smtClean="0"/>
+              <a:t>Second level</a:t>
             </a:r>
           </a:p>
           <a:p>
             <a:pPr lvl="2"/>
             <a:r>
-              <a:rPr lang="es-ES"/>
-              <a:t>Tercer nivel</a:t>
+              <a:rPr lang="en-US" smtClean="0"/>
+              <a:t>Third level</a:t>
             </a:r>
           </a:p>
           <a:p>
             <a:pPr lvl="3"/>
             <a:r>
-              <a:rPr lang="es-ES"/>
-              <a:t>Cuarto nivel</a:t>
+              <a:rPr lang="en-US" smtClean="0"/>
+              <a:t>Fourth level</a:t>
             </a:r>
           </a:p>
           <a:p>
             <a:pPr lvl="4"/>
             <a:r>
-              <a:rPr lang="es-ES"/>
-              <a:t>Quinto nivel</a:t>
+              <a:rPr lang="en-US" smtClean="0"/>
+              <a:t>Fifth level</a:t>
             </a:r>
             <a:endParaRPr lang="en-US" dirty="0"/>
           </a:p>
@@ -2463,8 +2470,8 @@
         </p:nvSpPr>
         <p:spPr>
           <a:xfrm>
-            <a:off x="372000" y="1080135"/>
-            <a:ext cx="1741858" cy="2001084"/>
+            <a:off x="372000" y="987744"/>
+            <a:ext cx="1741858" cy="1829915"/>
           </a:xfrm>
         </p:spPr>
         <p:txBody>
@@ -2472,46 +2479,46 @@
           <a:lstStyle>
             <a:lvl1pPr marL="0" indent="0">
               <a:buNone/>
-              <a:defRPr sz="840"/>
+              <a:defRPr sz="709"/>
             </a:lvl1pPr>
-            <a:lvl2pPr marL="240030" indent="0">
-              <a:buNone/>
-              <a:defRPr sz="735"/>
+            <a:lvl2pPr marL="202540" indent="0">
+              <a:buNone/>
+              <a:defRPr sz="620"/>
             </a:lvl2pPr>
-            <a:lvl3pPr marL="480060" indent="0">
-              <a:buNone/>
-              <a:defRPr sz="630"/>
+            <a:lvl3pPr marL="405079" indent="0">
+              <a:buNone/>
+              <a:defRPr sz="532"/>
             </a:lvl3pPr>
-            <a:lvl4pPr marL="720090" indent="0">
-              <a:buNone/>
-              <a:defRPr sz="525"/>
+            <a:lvl4pPr marL="607619" indent="0">
+              <a:buNone/>
+              <a:defRPr sz="443"/>
             </a:lvl4pPr>
-            <a:lvl5pPr marL="960120" indent="0">
-              <a:buNone/>
-              <a:defRPr sz="525"/>
+            <a:lvl5pPr marL="810158" indent="0">
+              <a:buNone/>
+              <a:defRPr sz="443"/>
             </a:lvl5pPr>
-            <a:lvl6pPr marL="1200150" indent="0">
-              <a:buNone/>
-              <a:defRPr sz="525"/>
+            <a:lvl6pPr marL="1012698" indent="0">
+              <a:buNone/>
+              <a:defRPr sz="443"/>
             </a:lvl6pPr>
-            <a:lvl7pPr marL="1440180" indent="0">
-              <a:buNone/>
-              <a:defRPr sz="525"/>
+            <a:lvl7pPr marL="1215238" indent="0">
+              <a:buNone/>
+              <a:defRPr sz="443"/>
             </a:lvl7pPr>
-            <a:lvl8pPr marL="1680210" indent="0">
-              <a:buNone/>
-              <a:defRPr sz="525"/>
+            <a:lvl8pPr marL="1417777" indent="0">
+              <a:buNone/>
+              <a:defRPr sz="443"/>
             </a:lvl8pPr>
-            <a:lvl9pPr marL="1920240" indent="0">
-              <a:buNone/>
-              <a:defRPr sz="525"/>
+            <a:lvl9pPr marL="1620317" indent="0">
+              <a:buNone/>
+              <a:defRPr sz="443"/>
             </a:lvl9pPr>
           </a:lstStyle>
           <a:p>
             <a:pPr lvl="0"/>
             <a:r>
-              <a:rPr lang="es-ES"/>
-              <a:t>Haga clic para modificar los estilos de texto del patrón</a:t>
+              <a:rPr lang="en-US" smtClean="0"/>
+              <a:t>Click to edit Master text styles</a:t>
             </a:r>
           </a:p>
         </p:txBody>
@@ -2584,7 +2591,7 @@
     </p:spTree>
     <p:extLst>
       <p:ext uri="{BB962C8B-B14F-4D97-AF65-F5344CB8AC3E}">
-        <p14:creationId xmlns:p14="http://schemas.microsoft.com/office/powerpoint/2010/main" val="294833069"/>
+        <p14:creationId xmlns:p14="http://schemas.microsoft.com/office/powerpoint/2010/main" val="914820645"/>
       </p:ext>
     </p:extLst>
   </p:cSld>
@@ -2596,7 +2603,7 @@
 
 <file path=ppt/slideLayouts/slideLayout9.xml><?xml version="1.0" encoding="utf-8"?>
 <p:sldLayout xmlns:a="http://schemas.openxmlformats.org/drawingml/2006/main" xmlns:r="http://schemas.openxmlformats.org/officeDocument/2006/relationships" xmlns:p="http://schemas.openxmlformats.org/presentationml/2006/main" type="picTx" preserve="1">
-  <p:cSld name="Imagen con título">
+  <p:cSld name="Picture with Caption">
     <p:spTree>
       <p:nvGrpSpPr>
         <p:cNvPr id="1" name=""/>
@@ -2623,21 +2630,21 @@
         </p:nvSpPr>
         <p:spPr>
           <a:xfrm>
-            <a:off x="372000" y="240030"/>
-            <a:ext cx="1741858" cy="840105"/>
+            <a:off x="372000" y="219498"/>
+            <a:ext cx="1741858" cy="768244"/>
           </a:xfrm>
         </p:spPr>
         <p:txBody>
           <a:bodyPr anchor="b"/>
           <a:lstStyle>
             <a:lvl1pPr>
-              <a:defRPr sz="1680"/>
+              <a:defRPr sz="1418"/>
             </a:lvl1pPr>
           </a:lstStyle>
           <a:p>
             <a:r>
-              <a:rPr lang="es-ES"/>
-              <a:t>Haga clic para modificar el estilo de título del patrón</a:t>
+              <a:rPr lang="en-US" smtClean="0"/>
+              <a:t>Click to edit Master title style</a:t>
             </a:r>
             <a:endParaRPr lang="en-US" dirty="0"/>
           </a:p>
@@ -2655,8 +2662,8 @@
         </p:nvSpPr>
         <p:spPr>
           <a:xfrm>
-            <a:off x="2295990" y="518399"/>
-            <a:ext cx="2734092" cy="2558653"/>
+            <a:off x="2295990" y="474057"/>
+            <a:ext cx="2734092" cy="2339791"/>
           </a:xfrm>
         </p:spPr>
         <p:txBody>
@@ -2664,45 +2671,45 @@
           <a:lstStyle>
             <a:lvl1pPr marL="0" indent="0">
               <a:buNone/>
-              <a:defRPr sz="1680"/>
+              <a:defRPr sz="1418"/>
             </a:lvl1pPr>
-            <a:lvl2pPr marL="240030" indent="0">
-              <a:buNone/>
-              <a:defRPr sz="1470"/>
+            <a:lvl2pPr marL="202540" indent="0">
+              <a:buNone/>
+              <a:defRPr sz="1240"/>
             </a:lvl2pPr>
-            <a:lvl3pPr marL="480060" indent="0">
-              <a:buNone/>
-              <a:defRPr sz="1260"/>
+            <a:lvl3pPr marL="405079" indent="0">
+              <a:buNone/>
+              <a:defRPr sz="1063"/>
             </a:lvl3pPr>
-            <a:lvl4pPr marL="720090" indent="0">
-              <a:buNone/>
-              <a:defRPr sz="1050"/>
+            <a:lvl4pPr marL="607619" indent="0">
+              <a:buNone/>
+              <a:defRPr sz="886"/>
             </a:lvl4pPr>
-            <a:lvl5pPr marL="960120" indent="0">
-              <a:buNone/>
-              <a:defRPr sz="1050"/>
+            <a:lvl5pPr marL="810158" indent="0">
+              <a:buNone/>
+              <a:defRPr sz="886"/>
             </a:lvl5pPr>
-            <a:lvl6pPr marL="1200150" indent="0">
-              <a:buNone/>
-              <a:defRPr sz="1050"/>
+            <a:lvl6pPr marL="1012698" indent="0">
+              <a:buNone/>
+              <a:defRPr sz="886"/>
             </a:lvl6pPr>
-            <a:lvl7pPr marL="1440180" indent="0">
-              <a:buNone/>
-              <a:defRPr sz="1050"/>
+            <a:lvl7pPr marL="1215238" indent="0">
+              <a:buNone/>
+              <a:defRPr sz="886"/>
             </a:lvl7pPr>
-            <a:lvl8pPr marL="1680210" indent="0">
-              <a:buNone/>
-              <a:defRPr sz="1050"/>
+            <a:lvl8pPr marL="1417777" indent="0">
+              <a:buNone/>
+              <a:defRPr sz="886"/>
             </a:lvl8pPr>
-            <a:lvl9pPr marL="1920240" indent="0">
-              <a:buNone/>
-              <a:defRPr sz="1050"/>
+            <a:lvl9pPr marL="1620317" indent="0">
+              <a:buNone/>
+              <a:defRPr sz="886"/>
             </a:lvl9pPr>
           </a:lstStyle>
           <a:p>
             <a:r>
-              <a:rPr lang="es-ES"/>
-              <a:t>Haga clic en el icono para agregar una imagen</a:t>
+              <a:rPr lang="en-US" smtClean="0"/>
+              <a:t>Click icon to add picture</a:t>
             </a:r>
             <a:endParaRPr lang="en-US" dirty="0"/>
           </a:p>
@@ -2720,8 +2727,8 @@
         </p:nvSpPr>
         <p:spPr>
           <a:xfrm>
-            <a:off x="372000" y="1080135"/>
-            <a:ext cx="1741858" cy="2001084"/>
+            <a:off x="372000" y="987744"/>
+            <a:ext cx="1741858" cy="1829915"/>
           </a:xfrm>
         </p:spPr>
         <p:txBody>
@@ -2729,46 +2736,46 @@
           <a:lstStyle>
             <a:lvl1pPr marL="0" indent="0">
               <a:buNone/>
-              <a:defRPr sz="840"/>
+              <a:defRPr sz="709"/>
             </a:lvl1pPr>
-            <a:lvl2pPr marL="240030" indent="0">
-              <a:buNone/>
-              <a:defRPr sz="735"/>
+            <a:lvl2pPr marL="202540" indent="0">
+              <a:buNone/>
+              <a:defRPr sz="620"/>
             </a:lvl2pPr>
-            <a:lvl3pPr marL="480060" indent="0">
-              <a:buNone/>
-              <a:defRPr sz="630"/>
+            <a:lvl3pPr marL="405079" indent="0">
+              <a:buNone/>
+              <a:defRPr sz="532"/>
             </a:lvl3pPr>
-            <a:lvl4pPr marL="720090" indent="0">
-              <a:buNone/>
-              <a:defRPr sz="525"/>
+            <a:lvl4pPr marL="607619" indent="0">
+              <a:buNone/>
+              <a:defRPr sz="443"/>
             </a:lvl4pPr>
-            <a:lvl5pPr marL="960120" indent="0">
-              <a:buNone/>
-              <a:defRPr sz="525"/>
+            <a:lvl5pPr marL="810158" indent="0">
+              <a:buNone/>
+              <a:defRPr sz="443"/>
             </a:lvl5pPr>
-            <a:lvl6pPr marL="1200150" indent="0">
-              <a:buNone/>
-              <a:defRPr sz="525"/>
+            <a:lvl6pPr marL="1012698" indent="0">
+              <a:buNone/>
+              <a:defRPr sz="443"/>
             </a:lvl6pPr>
-            <a:lvl7pPr marL="1440180" indent="0">
-              <a:buNone/>
-              <a:defRPr sz="525"/>
+            <a:lvl7pPr marL="1215238" indent="0">
+              <a:buNone/>
+              <a:defRPr sz="443"/>
             </a:lvl7pPr>
-            <a:lvl8pPr marL="1680210" indent="0">
-              <a:buNone/>
-              <a:defRPr sz="525"/>
+            <a:lvl8pPr marL="1417777" indent="0">
+              <a:buNone/>
+              <a:defRPr sz="443"/>
             </a:lvl8pPr>
-            <a:lvl9pPr marL="1920240" indent="0">
-              <a:buNone/>
-              <a:defRPr sz="525"/>
+            <a:lvl9pPr marL="1620317" indent="0">
+              <a:buNone/>
+              <a:defRPr sz="443"/>
             </a:lvl9pPr>
           </a:lstStyle>
           <a:p>
             <a:pPr lvl="0"/>
             <a:r>
-              <a:rPr lang="es-ES"/>
-              <a:t>Haga clic para modificar los estilos de texto del patrón</a:t>
+              <a:rPr lang="en-US" smtClean="0"/>
+              <a:t>Click to edit Master text styles</a:t>
             </a:r>
           </a:p>
         </p:txBody>
@@ -2841,7 +2848,7 @@
     </p:spTree>
     <p:extLst>
       <p:ext uri="{BB962C8B-B14F-4D97-AF65-F5344CB8AC3E}">
-        <p14:creationId xmlns:p14="http://schemas.microsoft.com/office/powerpoint/2010/main" val="389640526"/>
+        <p14:creationId xmlns:p14="http://schemas.microsoft.com/office/powerpoint/2010/main" val="3329878802"/>
       </p:ext>
     </p:extLst>
   </p:cSld>
@@ -2885,8 +2892,8 @@
         </p:nvSpPr>
         <p:spPr>
           <a:xfrm>
-            <a:off x="371297" y="191691"/>
-            <a:ext cx="4658082" cy="695921"/>
+            <a:off x="371297" y="175295"/>
+            <a:ext cx="4658082" cy="636393"/>
           </a:xfrm>
           <a:prstGeom prst="rect">
             <a:avLst/>
@@ -2899,8 +2906,8 @@
           <a:lstStyle/>
           <a:p>
             <a:r>
-              <a:rPr lang="es-ES"/>
-              <a:t>Haga clic para modificar el estilo de título del patrón</a:t>
+              <a:rPr lang="en-US" smtClean="0"/>
+              <a:t>Click to edit Master title style</a:t>
             </a:r>
             <a:endParaRPr lang="en-US" dirty="0"/>
           </a:p>
@@ -2918,8 +2925,8 @@
         </p:nvSpPr>
         <p:spPr>
           <a:xfrm>
-            <a:off x="371297" y="958453"/>
-            <a:ext cx="4658082" cy="2284452"/>
+            <a:off x="371297" y="876470"/>
+            <a:ext cx="4658082" cy="2089045"/>
           </a:xfrm>
           <a:prstGeom prst="rect">
             <a:avLst/>
@@ -2933,36 +2940,36 @@
           <a:p>
             <a:pPr lvl="0"/>
             <a:r>
-              <a:rPr lang="es-ES"/>
-              <a:t>Haga clic para modificar los estilos de texto del patrón</a:t>
+              <a:rPr lang="en-US" smtClean="0"/>
+              <a:t>Click to edit Master text styles</a:t>
             </a:r>
           </a:p>
           <a:p>
             <a:pPr lvl="1"/>
             <a:r>
-              <a:rPr lang="es-ES"/>
-              <a:t>Segundo nivel</a:t>
+              <a:rPr lang="en-US" smtClean="0"/>
+              <a:t>Second level</a:t>
             </a:r>
           </a:p>
           <a:p>
             <a:pPr lvl="2"/>
             <a:r>
-              <a:rPr lang="es-ES"/>
-              <a:t>Tercer nivel</a:t>
+              <a:rPr lang="en-US" smtClean="0"/>
+              <a:t>Third level</a:t>
             </a:r>
           </a:p>
           <a:p>
             <a:pPr lvl="3"/>
             <a:r>
-              <a:rPr lang="es-ES"/>
-              <a:t>Cuarto nivel</a:t>
+              <a:rPr lang="en-US" smtClean="0"/>
+              <a:t>Fourth level</a:t>
             </a:r>
           </a:p>
           <a:p>
             <a:pPr lvl="4"/>
             <a:r>
-              <a:rPr lang="es-ES"/>
-              <a:t>Quinto nivel</a:t>
+              <a:rPr lang="en-US" smtClean="0"/>
+              <a:t>Fifth level</a:t>
             </a:r>
             <a:endParaRPr lang="en-US" dirty="0"/>
           </a:p>
@@ -2980,8 +2987,8 @@
         </p:nvSpPr>
         <p:spPr>
           <a:xfrm>
-            <a:off x="371296" y="3337084"/>
-            <a:ext cx="1215152" cy="191691"/>
+            <a:off x="371296" y="3051636"/>
+            <a:ext cx="1215152" cy="175294"/>
           </a:xfrm>
           <a:prstGeom prst="rect">
             <a:avLst/>
@@ -2991,7 +2998,7 @@
           <a:bodyPr vert="horz" lIns="91440" tIns="45720" rIns="91440" bIns="45720" rtlCol="0" anchor="ctr"/>
           <a:lstStyle>
             <a:lvl1pPr algn="l">
-              <a:defRPr sz="630">
+              <a:defRPr sz="532">
                 <a:solidFill>
                   <a:schemeClr val="tx1">
                     <a:tint val="75000"/>
@@ -3021,8 +3028,8 @@
         </p:nvSpPr>
         <p:spPr>
           <a:xfrm>
-            <a:off x="1788974" y="3337084"/>
-            <a:ext cx="1822728" cy="191691"/>
+            <a:off x="1788974" y="3051636"/>
+            <a:ext cx="1822728" cy="175294"/>
           </a:xfrm>
           <a:prstGeom prst="rect">
             <a:avLst/>
@@ -3032,7 +3039,7 @@
           <a:bodyPr vert="horz" lIns="91440" tIns="45720" rIns="91440" bIns="45720" rtlCol="0" anchor="ctr"/>
           <a:lstStyle>
             <a:lvl1pPr algn="ctr">
-              <a:defRPr sz="630">
+              <a:defRPr sz="532">
                 <a:solidFill>
                   <a:schemeClr val="tx1">
                     <a:tint val="75000"/>
@@ -3058,8 +3065,8 @@
         </p:nvSpPr>
         <p:spPr>
           <a:xfrm>
-            <a:off x="3814227" y="3337084"/>
-            <a:ext cx="1215152" cy="191691"/>
+            <a:off x="3814227" y="3051636"/>
+            <a:ext cx="1215152" cy="175294"/>
           </a:xfrm>
           <a:prstGeom prst="rect">
             <a:avLst/>
@@ -3069,7 +3076,7 @@
           <a:bodyPr vert="horz" lIns="91440" tIns="45720" rIns="91440" bIns="45720" rtlCol="0" anchor="ctr"/>
           <a:lstStyle>
             <a:lvl1pPr algn="r">
-              <a:defRPr sz="630">
+              <a:defRPr sz="532">
                 <a:solidFill>
                   <a:schemeClr val="tx1">
                     <a:tint val="75000"/>
@@ -3090,27 +3097,27 @@
     </p:spTree>
     <p:extLst>
       <p:ext uri="{BB962C8B-B14F-4D97-AF65-F5344CB8AC3E}">
-        <p14:creationId xmlns:p14="http://schemas.microsoft.com/office/powerpoint/2010/main" val="1407526291"/>
+        <p14:creationId xmlns:p14="http://schemas.microsoft.com/office/powerpoint/2010/main" val="2255429046"/>
       </p:ext>
     </p:extLst>
   </p:cSld>
   <p:clrMap bg1="lt1" tx1="dk1" bg2="lt2" tx2="dk2" accent1="accent1" accent2="accent2" accent3="accent3" accent4="accent4" accent5="accent5" accent6="accent6" hlink="hlink" folHlink="folHlink"/>
   <p:sldLayoutIdLst>
-    <p:sldLayoutId id="2147483769" r:id="rId1"/>
-    <p:sldLayoutId id="2147483770" r:id="rId2"/>
-    <p:sldLayoutId id="2147483771" r:id="rId3"/>
-    <p:sldLayoutId id="2147483772" r:id="rId4"/>
-    <p:sldLayoutId id="2147483773" r:id="rId5"/>
-    <p:sldLayoutId id="2147483774" r:id="rId6"/>
-    <p:sldLayoutId id="2147483775" r:id="rId7"/>
-    <p:sldLayoutId id="2147483776" r:id="rId8"/>
-    <p:sldLayoutId id="2147483777" r:id="rId9"/>
-    <p:sldLayoutId id="2147483778" r:id="rId10"/>
-    <p:sldLayoutId id="2147483779" r:id="rId11"/>
+    <p:sldLayoutId id="2147483781" r:id="rId1"/>
+    <p:sldLayoutId id="2147483782" r:id="rId2"/>
+    <p:sldLayoutId id="2147483783" r:id="rId3"/>
+    <p:sldLayoutId id="2147483784" r:id="rId4"/>
+    <p:sldLayoutId id="2147483785" r:id="rId5"/>
+    <p:sldLayoutId id="2147483786" r:id="rId6"/>
+    <p:sldLayoutId id="2147483787" r:id="rId7"/>
+    <p:sldLayoutId id="2147483788" r:id="rId8"/>
+    <p:sldLayoutId id="2147483789" r:id="rId9"/>
+    <p:sldLayoutId id="2147483790" r:id="rId10"/>
+    <p:sldLayoutId id="2147483791" r:id="rId11"/>
   </p:sldLayoutIdLst>
   <p:txStyles>
     <p:titleStyle>
-      <a:lvl1pPr algn="l" defTabSz="480060" rtl="0" eaLnBrk="1" latinLnBrk="0" hangingPunct="1">
+      <a:lvl1pPr algn="l" defTabSz="405079" rtl="0" eaLnBrk="1" latinLnBrk="0" hangingPunct="1">
         <a:lnSpc>
           <a:spcPct val="90000"/>
         </a:lnSpc>
@@ -3118,7 +3125,7 @@
           <a:spcPct val="0"/>
         </a:spcBef>
         <a:buNone/>
-        <a:defRPr sz="2310" kern="1200">
+        <a:defRPr sz="1949" kern="1200">
           <a:solidFill>
             <a:schemeClr val="tx1"/>
           </a:solidFill>
@@ -3129,16 +3136,16 @@
       </a:lvl1pPr>
     </p:titleStyle>
     <p:bodyStyle>
-      <a:lvl1pPr marL="120015" indent="-120015" algn="l" defTabSz="480060" rtl="0" eaLnBrk="1" latinLnBrk="0" hangingPunct="1">
+      <a:lvl1pPr marL="101270" indent="-101270" algn="l" defTabSz="405079" rtl="0" eaLnBrk="1" latinLnBrk="0" hangingPunct="1">
         <a:lnSpc>
           <a:spcPct val="90000"/>
         </a:lnSpc>
         <a:spcBef>
-          <a:spcPts val="525"/>
+          <a:spcPts val="443"/>
         </a:spcBef>
         <a:buFont typeface="Arial" panose="020B0604020202020204" pitchFamily="34" charset="0"/>
         <a:buChar char="•"/>
-        <a:defRPr sz="1470" kern="1200">
+        <a:defRPr sz="1240" kern="1200">
           <a:solidFill>
             <a:schemeClr val="tx1"/>
           </a:solidFill>
@@ -3147,16 +3154,16 @@
           <a:cs typeface="+mn-cs"/>
         </a:defRPr>
       </a:lvl1pPr>
-      <a:lvl2pPr marL="360045" indent="-120015" algn="l" defTabSz="480060" rtl="0" eaLnBrk="1" latinLnBrk="0" hangingPunct="1">
+      <a:lvl2pPr marL="303809" indent="-101270" algn="l" defTabSz="405079" rtl="0" eaLnBrk="1" latinLnBrk="0" hangingPunct="1">
         <a:lnSpc>
           <a:spcPct val="90000"/>
         </a:lnSpc>
         <a:spcBef>
-          <a:spcPts val="263"/>
+          <a:spcPts val="222"/>
         </a:spcBef>
         <a:buFont typeface="Arial" panose="020B0604020202020204" pitchFamily="34" charset="0"/>
         <a:buChar char="•"/>
-        <a:defRPr sz="1260" kern="1200">
+        <a:defRPr sz="1063" kern="1200">
           <a:solidFill>
             <a:schemeClr val="tx1"/>
           </a:solidFill>
@@ -3165,16 +3172,16 @@
           <a:cs typeface="+mn-cs"/>
         </a:defRPr>
       </a:lvl2pPr>
-      <a:lvl3pPr marL="600075" indent="-120015" algn="l" defTabSz="480060" rtl="0" eaLnBrk="1" latinLnBrk="0" hangingPunct="1">
+      <a:lvl3pPr marL="506349" indent="-101270" algn="l" defTabSz="405079" rtl="0" eaLnBrk="1" latinLnBrk="0" hangingPunct="1">
         <a:lnSpc>
           <a:spcPct val="90000"/>
         </a:lnSpc>
         <a:spcBef>
-          <a:spcPts val="263"/>
+          <a:spcPts val="222"/>
         </a:spcBef>
         <a:buFont typeface="Arial" panose="020B0604020202020204" pitchFamily="34" charset="0"/>
         <a:buChar char="•"/>
-        <a:defRPr sz="1050" kern="1200">
+        <a:defRPr sz="886" kern="1200">
           <a:solidFill>
             <a:schemeClr val="tx1"/>
           </a:solidFill>
@@ -3183,16 +3190,16 @@
           <a:cs typeface="+mn-cs"/>
         </a:defRPr>
       </a:lvl3pPr>
-      <a:lvl4pPr marL="840105" indent="-120015" algn="l" defTabSz="480060" rtl="0" eaLnBrk="1" latinLnBrk="0" hangingPunct="1">
+      <a:lvl4pPr marL="708889" indent="-101270" algn="l" defTabSz="405079" rtl="0" eaLnBrk="1" latinLnBrk="0" hangingPunct="1">
         <a:lnSpc>
           <a:spcPct val="90000"/>
         </a:lnSpc>
         <a:spcBef>
-          <a:spcPts val="263"/>
+          <a:spcPts val="222"/>
         </a:spcBef>
         <a:buFont typeface="Arial" panose="020B0604020202020204" pitchFamily="34" charset="0"/>
         <a:buChar char="•"/>
-        <a:defRPr sz="945" kern="1200">
+        <a:defRPr sz="797" kern="1200">
           <a:solidFill>
             <a:schemeClr val="tx1"/>
           </a:solidFill>
@@ -3201,16 +3208,16 @@
           <a:cs typeface="+mn-cs"/>
         </a:defRPr>
       </a:lvl4pPr>
-      <a:lvl5pPr marL="1080135" indent="-120015" algn="l" defTabSz="480060" rtl="0" eaLnBrk="1" latinLnBrk="0" hangingPunct="1">
+      <a:lvl5pPr marL="911428" indent="-101270" algn="l" defTabSz="405079" rtl="0" eaLnBrk="1" latinLnBrk="0" hangingPunct="1">
         <a:lnSpc>
           <a:spcPct val="90000"/>
         </a:lnSpc>
         <a:spcBef>
-          <a:spcPts val="263"/>
+          <a:spcPts val="222"/>
         </a:spcBef>
         <a:buFont typeface="Arial" panose="020B0604020202020204" pitchFamily="34" charset="0"/>
         <a:buChar char="•"/>
-        <a:defRPr sz="945" kern="1200">
+        <a:defRPr sz="797" kern="1200">
           <a:solidFill>
             <a:schemeClr val="tx1"/>
           </a:solidFill>
@@ -3219,16 +3226,16 @@
           <a:cs typeface="+mn-cs"/>
         </a:defRPr>
       </a:lvl5pPr>
-      <a:lvl6pPr marL="1320165" indent="-120015" algn="l" defTabSz="480060" rtl="0" eaLnBrk="1" latinLnBrk="0" hangingPunct="1">
+      <a:lvl6pPr marL="1113968" indent="-101270" algn="l" defTabSz="405079" rtl="0" eaLnBrk="1" latinLnBrk="0" hangingPunct="1">
         <a:lnSpc>
           <a:spcPct val="90000"/>
         </a:lnSpc>
         <a:spcBef>
-          <a:spcPts val="263"/>
+          <a:spcPts val="222"/>
         </a:spcBef>
         <a:buFont typeface="Arial" panose="020B0604020202020204" pitchFamily="34" charset="0"/>
         <a:buChar char="•"/>
-        <a:defRPr sz="945" kern="1200">
+        <a:defRPr sz="797" kern="1200">
           <a:solidFill>
             <a:schemeClr val="tx1"/>
           </a:solidFill>
@@ -3237,16 +3244,16 @@
           <a:cs typeface="+mn-cs"/>
         </a:defRPr>
       </a:lvl6pPr>
-      <a:lvl7pPr marL="1560195" indent="-120015" algn="l" defTabSz="480060" rtl="0" eaLnBrk="1" latinLnBrk="0" hangingPunct="1">
+      <a:lvl7pPr marL="1316507" indent="-101270" algn="l" defTabSz="405079" rtl="0" eaLnBrk="1" latinLnBrk="0" hangingPunct="1">
         <a:lnSpc>
           <a:spcPct val="90000"/>
         </a:lnSpc>
         <a:spcBef>
-          <a:spcPts val="263"/>
+          <a:spcPts val="222"/>
         </a:spcBef>
         <a:buFont typeface="Arial" panose="020B0604020202020204" pitchFamily="34" charset="0"/>
         <a:buChar char="•"/>
-        <a:defRPr sz="945" kern="1200">
+        <a:defRPr sz="797" kern="1200">
           <a:solidFill>
             <a:schemeClr val="tx1"/>
           </a:solidFill>
@@ -3255,16 +3262,16 @@
           <a:cs typeface="+mn-cs"/>
         </a:defRPr>
       </a:lvl7pPr>
-      <a:lvl8pPr marL="1800225" indent="-120015" algn="l" defTabSz="480060" rtl="0" eaLnBrk="1" latinLnBrk="0" hangingPunct="1">
+      <a:lvl8pPr marL="1519047" indent="-101270" algn="l" defTabSz="405079" rtl="0" eaLnBrk="1" latinLnBrk="0" hangingPunct="1">
         <a:lnSpc>
           <a:spcPct val="90000"/>
         </a:lnSpc>
         <a:spcBef>
-          <a:spcPts val="263"/>
+          <a:spcPts val="222"/>
         </a:spcBef>
         <a:buFont typeface="Arial" panose="020B0604020202020204" pitchFamily="34" charset="0"/>
         <a:buChar char="•"/>
-        <a:defRPr sz="945" kern="1200">
+        <a:defRPr sz="797" kern="1200">
           <a:solidFill>
             <a:schemeClr val="tx1"/>
           </a:solidFill>
@@ -3273,16 +3280,16 @@
           <a:cs typeface="+mn-cs"/>
         </a:defRPr>
       </a:lvl8pPr>
-      <a:lvl9pPr marL="2040255" indent="-120015" algn="l" defTabSz="480060" rtl="0" eaLnBrk="1" latinLnBrk="0" hangingPunct="1">
+      <a:lvl9pPr marL="1721587" indent="-101270" algn="l" defTabSz="405079" rtl="0" eaLnBrk="1" latinLnBrk="0" hangingPunct="1">
         <a:lnSpc>
           <a:spcPct val="90000"/>
         </a:lnSpc>
         <a:spcBef>
-          <a:spcPts val="263"/>
+          <a:spcPts val="222"/>
         </a:spcBef>
         <a:buFont typeface="Arial" panose="020B0604020202020204" pitchFamily="34" charset="0"/>
         <a:buChar char="•"/>
-        <a:defRPr sz="945" kern="1200">
+        <a:defRPr sz="797" kern="1200">
           <a:solidFill>
             <a:schemeClr val="tx1"/>
           </a:solidFill>
@@ -3296,8 +3303,8 @@
       <a:defPPr>
         <a:defRPr lang="en-US"/>
       </a:defPPr>
-      <a:lvl1pPr marL="0" algn="l" defTabSz="480060" rtl="0" eaLnBrk="1" latinLnBrk="0" hangingPunct="1">
-        <a:defRPr sz="945" kern="1200">
+      <a:lvl1pPr marL="0" algn="l" defTabSz="405079" rtl="0" eaLnBrk="1" latinLnBrk="0" hangingPunct="1">
+        <a:defRPr sz="797" kern="1200">
           <a:solidFill>
             <a:schemeClr val="tx1"/>
           </a:solidFill>
@@ -3306,8 +3313,8 @@
           <a:cs typeface="+mn-cs"/>
         </a:defRPr>
       </a:lvl1pPr>
-      <a:lvl2pPr marL="240030" algn="l" defTabSz="480060" rtl="0" eaLnBrk="1" latinLnBrk="0" hangingPunct="1">
-        <a:defRPr sz="945" kern="1200">
+      <a:lvl2pPr marL="202540" algn="l" defTabSz="405079" rtl="0" eaLnBrk="1" latinLnBrk="0" hangingPunct="1">
+        <a:defRPr sz="797" kern="1200">
           <a:solidFill>
             <a:schemeClr val="tx1"/>
           </a:solidFill>
@@ -3316,8 +3323,8 @@
           <a:cs typeface="+mn-cs"/>
         </a:defRPr>
       </a:lvl2pPr>
-      <a:lvl3pPr marL="480060" algn="l" defTabSz="480060" rtl="0" eaLnBrk="1" latinLnBrk="0" hangingPunct="1">
-        <a:defRPr sz="945" kern="1200">
+      <a:lvl3pPr marL="405079" algn="l" defTabSz="405079" rtl="0" eaLnBrk="1" latinLnBrk="0" hangingPunct="1">
+        <a:defRPr sz="797" kern="1200">
           <a:solidFill>
             <a:schemeClr val="tx1"/>
           </a:solidFill>
@@ -3326,8 +3333,8 @@
           <a:cs typeface="+mn-cs"/>
         </a:defRPr>
       </a:lvl3pPr>
-      <a:lvl4pPr marL="720090" algn="l" defTabSz="480060" rtl="0" eaLnBrk="1" latinLnBrk="0" hangingPunct="1">
-        <a:defRPr sz="945" kern="1200">
+      <a:lvl4pPr marL="607619" algn="l" defTabSz="405079" rtl="0" eaLnBrk="1" latinLnBrk="0" hangingPunct="1">
+        <a:defRPr sz="797" kern="1200">
           <a:solidFill>
             <a:schemeClr val="tx1"/>
           </a:solidFill>
@@ -3336,8 +3343,8 @@
           <a:cs typeface="+mn-cs"/>
         </a:defRPr>
       </a:lvl4pPr>
-      <a:lvl5pPr marL="960120" algn="l" defTabSz="480060" rtl="0" eaLnBrk="1" latinLnBrk="0" hangingPunct="1">
-        <a:defRPr sz="945" kern="1200">
+      <a:lvl5pPr marL="810158" algn="l" defTabSz="405079" rtl="0" eaLnBrk="1" latinLnBrk="0" hangingPunct="1">
+        <a:defRPr sz="797" kern="1200">
           <a:solidFill>
             <a:schemeClr val="tx1"/>
           </a:solidFill>
@@ -3346,8 +3353,8 @@
           <a:cs typeface="+mn-cs"/>
         </a:defRPr>
       </a:lvl5pPr>
-      <a:lvl6pPr marL="1200150" algn="l" defTabSz="480060" rtl="0" eaLnBrk="1" latinLnBrk="0" hangingPunct="1">
-        <a:defRPr sz="945" kern="1200">
+      <a:lvl6pPr marL="1012698" algn="l" defTabSz="405079" rtl="0" eaLnBrk="1" latinLnBrk="0" hangingPunct="1">
+        <a:defRPr sz="797" kern="1200">
           <a:solidFill>
             <a:schemeClr val="tx1"/>
           </a:solidFill>
@@ -3356,8 +3363,8 @@
           <a:cs typeface="+mn-cs"/>
         </a:defRPr>
       </a:lvl6pPr>
-      <a:lvl7pPr marL="1440180" algn="l" defTabSz="480060" rtl="0" eaLnBrk="1" latinLnBrk="0" hangingPunct="1">
-        <a:defRPr sz="945" kern="1200">
+      <a:lvl7pPr marL="1215238" algn="l" defTabSz="405079" rtl="0" eaLnBrk="1" latinLnBrk="0" hangingPunct="1">
+        <a:defRPr sz="797" kern="1200">
           <a:solidFill>
             <a:schemeClr val="tx1"/>
           </a:solidFill>
@@ -3366,8 +3373,8 @@
           <a:cs typeface="+mn-cs"/>
         </a:defRPr>
       </a:lvl7pPr>
-      <a:lvl8pPr marL="1680210" algn="l" defTabSz="480060" rtl="0" eaLnBrk="1" latinLnBrk="0" hangingPunct="1">
-        <a:defRPr sz="945" kern="1200">
+      <a:lvl8pPr marL="1417777" algn="l" defTabSz="405079" rtl="0" eaLnBrk="1" latinLnBrk="0" hangingPunct="1">
+        <a:defRPr sz="797" kern="1200">
           <a:solidFill>
             <a:schemeClr val="tx1"/>
           </a:solidFill>
@@ -3376,8 +3383,8 @@
           <a:cs typeface="+mn-cs"/>
         </a:defRPr>
       </a:lvl8pPr>
-      <a:lvl9pPr marL="1920240" algn="l" defTabSz="480060" rtl="0" eaLnBrk="1" latinLnBrk="0" hangingPunct="1">
-        <a:defRPr sz="945" kern="1200">
+      <a:lvl9pPr marL="1620317" algn="l" defTabSz="405079" rtl="0" eaLnBrk="1" latinLnBrk="0" hangingPunct="1">
+        <a:defRPr sz="797" kern="1200">
           <a:solidFill>
             <a:schemeClr val="tx1"/>
           </a:solidFill>
@@ -3413,7 +3420,7 @@
           <p:cNvPr id="104" name="Rectángulo 3">
             <a:extLst>
               <a:ext uri="{FF2B5EF4-FFF2-40B4-BE49-F238E27FC236}">
-                <a16:creationId xmlns="" xmlns:a16="http://schemas.microsoft.com/office/drawing/2014/main" id="{70261B79-5D89-227D-9429-3BF0A8DD0692}"/>
+                <a16:creationId xmlns:a16="http://schemas.microsoft.com/office/drawing/2014/main" xmlns="" id="{70261B79-5D89-227D-9429-3BF0A8DD0692}"/>
               </a:ext>
             </a:extLst>
           </p:cNvPr>
@@ -3422,8 +3429,8 @@
         </p:nvSpPr>
         <p:spPr>
           <a:xfrm>
-            <a:off x="2115535" y="1267808"/>
-            <a:ext cx="903351" cy="1231645"/>
+            <a:off x="2064502" y="926687"/>
+            <a:ext cx="903351" cy="1231646"/>
           </a:xfrm>
           <a:prstGeom prst="rect">
             <a:avLst/>
@@ -3454,13 +3461,13 @@
           <a:p>
             <a:pPr algn="ctr"/>
             <a:r>
-              <a:rPr lang="en-US" sz="500" b="1" dirty="0" smtClean="0">
+              <a:rPr lang="en-US" sz="700" b="1" dirty="0">
                 <a:latin typeface="Times New Roman" panose="02020603050405020304" pitchFamily="18" charset="0"/>
                 <a:cs typeface="Times New Roman" panose="02020603050405020304" pitchFamily="18" charset="0"/>
               </a:rPr>
               <a:t>Network structure</a:t>
             </a:r>
-            <a:endParaRPr lang="en-US" sz="500" b="1" dirty="0">
+            <a:endParaRPr lang="en-US" sz="700" b="1" dirty="0">
               <a:latin typeface="Times New Roman" panose="02020603050405020304" pitchFamily="18" charset="0"/>
               <a:cs typeface="Times New Roman" panose="02020603050405020304" pitchFamily="18" charset="0"/>
             </a:endParaRPr>
@@ -3472,7 +3479,7 @@
           <p:cNvPr id="30" name="Rectángulo 3">
             <a:extLst>
               <a:ext uri="{FF2B5EF4-FFF2-40B4-BE49-F238E27FC236}">
-                <a16:creationId xmlns="" xmlns:a16="http://schemas.microsoft.com/office/drawing/2014/main" id="{70261B79-5D89-227D-9429-3BF0A8DD0692}"/>
+                <a16:creationId xmlns:a16="http://schemas.microsoft.com/office/drawing/2014/main" xmlns="" id="{70261B79-5D89-227D-9429-3BF0A8DD0692}"/>
               </a:ext>
             </a:extLst>
           </p:cNvPr>
@@ -3481,7 +3488,7 @@
         </p:nvSpPr>
         <p:spPr>
           <a:xfrm>
-            <a:off x="4510006" y="736598"/>
+            <a:off x="4458972" y="395481"/>
             <a:ext cx="718353" cy="2294065"/>
           </a:xfrm>
           <a:prstGeom prst="rect">
@@ -3513,7 +3520,7 @@
           <a:p>
             <a:pPr algn="ctr"/>
             <a:r>
-              <a:rPr lang="en-GB" sz="800" dirty="0" smtClean="0">
+              <a:rPr lang="en-GB" sz="800" dirty="0">
                 <a:latin typeface="Times New Roman" panose="02020603050405020304" pitchFamily="18" charset="0"/>
                 <a:cs typeface="Times New Roman" panose="02020603050405020304" pitchFamily="18" charset="0"/>
               </a:rPr>
@@ -3523,7 +3530,7 @@
           <a:p>
             <a:pPr algn="ctr"/>
             <a:r>
-              <a:rPr lang="en-GB" sz="800" dirty="0" smtClean="0">
+              <a:rPr lang="en-GB" sz="800" dirty="0">
                 <a:latin typeface="Times New Roman" panose="02020603050405020304" pitchFamily="18" charset="0"/>
                 <a:cs typeface="Times New Roman" panose="02020603050405020304" pitchFamily="18" charset="0"/>
               </a:rPr>
@@ -3541,7 +3548,7 @@
           <p:cNvPr id="29" name="Rectángulo 3">
             <a:extLst>
               <a:ext uri="{FF2B5EF4-FFF2-40B4-BE49-F238E27FC236}">
-                <a16:creationId xmlns="" xmlns:a16="http://schemas.microsoft.com/office/drawing/2014/main" id="{70261B79-5D89-227D-9429-3BF0A8DD0692}"/>
+                <a16:creationId xmlns:a16="http://schemas.microsoft.com/office/drawing/2014/main" xmlns="" id="{70261B79-5D89-227D-9429-3BF0A8DD0692}"/>
               </a:ext>
             </a:extLst>
           </p:cNvPr>
@@ -3550,7 +3557,7 @@
         </p:nvSpPr>
         <p:spPr>
           <a:xfrm>
-            <a:off x="3357098" y="2277682"/>
+            <a:off x="3306062" y="1936561"/>
             <a:ext cx="822960" cy="274320"/>
           </a:xfrm>
           <a:prstGeom prst="rect">
@@ -3582,13 +3589,13 @@
           <a:p>
             <a:pPr algn="ctr"/>
             <a:r>
-              <a:rPr lang="en-US" sz="800" dirty="0" smtClean="0">
+              <a:rPr lang="en-US" sz="900" dirty="0">
                 <a:latin typeface="Times New Roman" panose="02020603050405020304" pitchFamily="18" charset="0"/>
                 <a:cs typeface="Times New Roman" panose="02020603050405020304" pitchFamily="18" charset="0"/>
               </a:rPr>
               <a:t>Inequality Perception</a:t>
             </a:r>
-            <a:endParaRPr lang="en-US" sz="800" dirty="0">
+            <a:endParaRPr lang="en-US" sz="900" dirty="0">
               <a:latin typeface="Times New Roman" panose="02020603050405020304" pitchFamily="18" charset="0"/>
               <a:cs typeface="Times New Roman" panose="02020603050405020304" pitchFamily="18" charset="0"/>
             </a:endParaRPr>
@@ -3600,7 +3607,7 @@
           <p:cNvPr id="37" name="Rectángulo 3">
             <a:extLst>
               <a:ext uri="{FF2B5EF4-FFF2-40B4-BE49-F238E27FC236}">
-                <a16:creationId xmlns="" xmlns:a16="http://schemas.microsoft.com/office/drawing/2014/main" id="{70261B79-5D89-227D-9429-3BF0A8DD0692}"/>
+                <a16:creationId xmlns:a16="http://schemas.microsoft.com/office/drawing/2014/main" xmlns="" id="{70261B79-5D89-227D-9429-3BF0A8DD0692}"/>
               </a:ext>
             </a:extLst>
           </p:cNvPr>
@@ -3609,8 +3616,8 @@
         </p:nvSpPr>
         <p:spPr>
           <a:xfrm>
-            <a:off x="3137811" y="2773221"/>
-            <a:ext cx="590001" cy="198436"/>
+            <a:off x="3086778" y="2432102"/>
+            <a:ext cx="590001" cy="198437"/>
           </a:xfrm>
           <a:prstGeom prst="rect">
             <a:avLst/>
@@ -3641,13 +3648,13 @@
           <a:p>
             <a:pPr algn="ctr"/>
             <a:r>
-              <a:rPr lang="en-US" sz="800" dirty="0" smtClean="0">
+              <a:rPr lang="en-US" sz="700" dirty="0">
                 <a:latin typeface="Times New Roman" panose="02020603050405020304" pitchFamily="18" charset="0"/>
                 <a:cs typeface="Times New Roman" panose="02020603050405020304" pitchFamily="18" charset="0"/>
               </a:rPr>
               <a:t>Individual</a:t>
             </a:r>
-            <a:endParaRPr lang="en-US" sz="800" dirty="0">
+            <a:endParaRPr lang="en-US" sz="700" dirty="0">
               <a:latin typeface="Times New Roman" panose="02020603050405020304" pitchFamily="18" charset="0"/>
               <a:cs typeface="Times New Roman" panose="02020603050405020304" pitchFamily="18" charset="0"/>
             </a:endParaRPr>
@@ -3659,7 +3666,7 @@
           <p:cNvPr id="39" name="Rectángulo 3">
             <a:extLst>
               <a:ext uri="{FF2B5EF4-FFF2-40B4-BE49-F238E27FC236}">
-                <a16:creationId xmlns="" xmlns:a16="http://schemas.microsoft.com/office/drawing/2014/main" id="{70261B79-5D89-227D-9429-3BF0A8DD0692}"/>
+                <a16:creationId xmlns:a16="http://schemas.microsoft.com/office/drawing/2014/main" xmlns="" id="{70261B79-5D89-227D-9429-3BF0A8DD0692}"/>
               </a:ext>
             </a:extLst>
           </p:cNvPr>
@@ -3668,7 +3675,7 @@
         </p:nvSpPr>
         <p:spPr>
           <a:xfrm>
-            <a:off x="3844292" y="2773221"/>
+            <a:off x="3793259" y="2432100"/>
             <a:ext cx="541211" cy="202870"/>
           </a:xfrm>
           <a:prstGeom prst="rect">
@@ -3700,7 +3707,7 @@
           <a:p>
             <a:pPr algn="ctr"/>
             <a:r>
-              <a:rPr lang="en-US" sz="800" dirty="0" smtClean="0">
+              <a:rPr lang="en-US" sz="700" dirty="0">
                 <a:latin typeface="Times New Roman" panose="02020603050405020304" pitchFamily="18" charset="0"/>
                 <a:cs typeface="Times New Roman" panose="02020603050405020304" pitchFamily="18" charset="0"/>
               </a:rPr>
@@ -3724,7 +3731,7 @@
         </p:nvCxnSpPr>
         <p:spPr>
           <a:xfrm flipV="1">
-            <a:off x="3432812" y="2552002"/>
+            <a:off x="3381776" y="2210885"/>
             <a:ext cx="335766" cy="221219"/>
           </a:xfrm>
           <a:prstGeom prst="line">
@@ -3760,7 +3767,7 @@
         </p:nvCxnSpPr>
         <p:spPr>
           <a:xfrm flipH="1" flipV="1">
-            <a:off x="3768578" y="2552002"/>
+            <a:off x="3717542" y="2210885"/>
             <a:ext cx="346320" cy="221219"/>
           </a:xfrm>
           <a:prstGeom prst="line">
@@ -3793,7 +3800,7 @@
         </p:nvSpPr>
         <p:spPr>
           <a:xfrm>
-            <a:off x="1092718" y="1746470"/>
+            <a:off x="1041681" y="1405349"/>
             <a:ext cx="822960" cy="274320"/>
           </a:xfrm>
           <a:prstGeom prst="rect">
@@ -3825,7 +3832,7 @@
           <a:p>
             <a:pPr algn="ctr"/>
             <a:r>
-              <a:rPr lang="en-US" sz="800" dirty="0" smtClean="0">
+              <a:rPr lang="en-US" sz="900" dirty="0">
                 <a:latin typeface="Times New Roman" panose="02020603050405020304" pitchFamily="18" charset="0"/>
                 <a:cs typeface="Times New Roman" panose="02020603050405020304" pitchFamily="18" charset="0"/>
               </a:rPr>
@@ -3835,7 +3842,7 @@
           <a:p>
             <a:pPr algn="ctr"/>
             <a:r>
-              <a:rPr lang="en-US" sz="800" dirty="0" smtClean="0">
+              <a:rPr lang="en-US" sz="900" dirty="0">
                 <a:latin typeface="Times New Roman" panose="02020603050405020304" pitchFamily="18" charset="0"/>
                 <a:cs typeface="Times New Roman" panose="02020603050405020304" pitchFamily="18" charset="0"/>
               </a:rPr>
@@ -3852,8 +3859,8 @@
         </p:nvSpPr>
         <p:spPr>
           <a:xfrm>
-            <a:off x="2222551" y="1786521"/>
-            <a:ext cx="651041" cy="259420"/>
+            <a:off x="2171518" y="1445402"/>
+            <a:ext cx="651041" cy="259421"/>
           </a:xfrm>
           <a:prstGeom prst="rect">
             <a:avLst/>
@@ -3884,13 +3891,13 @@
           <a:p>
             <a:pPr algn="ctr"/>
             <a:r>
-              <a:rPr lang="en-US" sz="800" dirty="0" smtClean="0">
+              <a:rPr lang="en-US" sz="900" dirty="0">
                 <a:latin typeface="Times New Roman" panose="02020603050405020304" pitchFamily="18" charset="0"/>
                 <a:cs typeface="Times New Roman" panose="02020603050405020304" pitchFamily="18" charset="0"/>
               </a:rPr>
               <a:t>Social ties</a:t>
             </a:r>
-            <a:endParaRPr lang="en-US" sz="800" dirty="0">
+            <a:endParaRPr lang="en-US" sz="900" dirty="0">
               <a:latin typeface="Times New Roman" panose="02020603050405020304" pitchFamily="18" charset="0"/>
               <a:cs typeface="Times New Roman" panose="02020603050405020304" pitchFamily="18" charset="0"/>
             </a:endParaRPr>
@@ -3902,7 +3909,7 @@
           <p:cNvPr id="95" name="Rectángulo 3">
             <a:extLst>
               <a:ext uri="{FF2B5EF4-FFF2-40B4-BE49-F238E27FC236}">
-                <a16:creationId xmlns="" xmlns:a16="http://schemas.microsoft.com/office/drawing/2014/main" id="{70261B79-5D89-227D-9429-3BF0A8DD0692}"/>
+                <a16:creationId xmlns:a16="http://schemas.microsoft.com/office/drawing/2014/main" xmlns="" id="{70261B79-5D89-227D-9429-3BF0A8DD0692}"/>
               </a:ext>
             </a:extLst>
           </p:cNvPr>
@@ -3911,8 +3918,8 @@
         </p:nvSpPr>
         <p:spPr>
           <a:xfrm>
-            <a:off x="2222552" y="1465316"/>
-            <a:ext cx="651041" cy="259420"/>
+            <a:off x="2171519" y="1124198"/>
+            <a:ext cx="651041" cy="259421"/>
           </a:xfrm>
           <a:prstGeom prst="rect">
             <a:avLst/>
@@ -3943,13 +3950,13 @@
           <a:p>
             <a:pPr algn="ctr"/>
             <a:r>
-              <a:rPr lang="en-US" sz="800" dirty="0" smtClean="0">
+              <a:rPr lang="en-US" sz="900" dirty="0">
                 <a:latin typeface="Times New Roman" panose="02020603050405020304" pitchFamily="18" charset="0"/>
                 <a:cs typeface="Times New Roman" panose="02020603050405020304" pitchFamily="18" charset="0"/>
               </a:rPr>
               <a:t>Social Resources</a:t>
             </a:r>
-            <a:endParaRPr lang="en-US" sz="800" dirty="0">
+            <a:endParaRPr lang="en-US" sz="900" dirty="0">
               <a:latin typeface="Times New Roman" panose="02020603050405020304" pitchFamily="18" charset="0"/>
               <a:cs typeface="Times New Roman" panose="02020603050405020304" pitchFamily="18" charset="0"/>
             </a:endParaRPr>
@@ -3961,7 +3968,7 @@
           <p:cNvPr id="102" name="Rectángulo 3">
             <a:extLst>
               <a:ext uri="{FF2B5EF4-FFF2-40B4-BE49-F238E27FC236}">
-                <a16:creationId xmlns="" xmlns:a16="http://schemas.microsoft.com/office/drawing/2014/main" id="{70261B79-5D89-227D-9429-3BF0A8DD0692}"/>
+                <a16:creationId xmlns:a16="http://schemas.microsoft.com/office/drawing/2014/main" xmlns="" id="{70261B79-5D89-227D-9429-3BF0A8DD0692}"/>
               </a:ext>
             </a:extLst>
           </p:cNvPr>
@@ -3970,8 +3977,8 @@
         </p:nvSpPr>
         <p:spPr>
           <a:xfrm>
-            <a:off x="2222551" y="2114395"/>
-            <a:ext cx="651041" cy="259420"/>
+            <a:off x="2171518" y="1773277"/>
+            <a:ext cx="651041" cy="259421"/>
           </a:xfrm>
           <a:prstGeom prst="rect">
             <a:avLst/>
@@ -4002,7 +4009,7 @@
           <a:p>
             <a:pPr algn="ctr"/>
             <a:r>
-              <a:rPr lang="en-US" sz="800" dirty="0" smtClean="0">
+              <a:rPr lang="en-US" sz="900" dirty="0">
                 <a:latin typeface="Times New Roman" panose="02020603050405020304" pitchFamily="18" charset="0"/>
                 <a:cs typeface="Times New Roman" panose="02020603050405020304" pitchFamily="18" charset="0"/>
               </a:rPr>
@@ -4012,13 +4019,13 @@
           <a:p>
             <a:pPr algn="ctr"/>
             <a:r>
-              <a:rPr lang="en-US" sz="800" dirty="0" smtClean="0">
+              <a:rPr lang="en-US" sz="900" dirty="0">
                 <a:latin typeface="Times New Roman" panose="02020603050405020304" pitchFamily="18" charset="0"/>
                 <a:cs typeface="Times New Roman" panose="02020603050405020304" pitchFamily="18" charset="0"/>
               </a:rPr>
               <a:t>resources</a:t>
             </a:r>
-            <a:endParaRPr lang="en-US" sz="800" dirty="0">
+            <a:endParaRPr lang="en-US" sz="900" dirty="0">
               <a:latin typeface="Times New Roman" panose="02020603050405020304" pitchFamily="18" charset="0"/>
               <a:cs typeface="Times New Roman" panose="02020603050405020304" pitchFamily="18" charset="0"/>
             </a:endParaRPr>
@@ -4036,7 +4043,7 @@
         </p:nvCxnSpPr>
         <p:spPr>
           <a:xfrm flipH="1" flipV="1">
-            <a:off x="1915678" y="1883630"/>
+            <a:off x="1864646" y="1542513"/>
             <a:ext cx="199857" cy="1"/>
           </a:xfrm>
           <a:prstGeom prst="line">
@@ -4072,7 +4079,7 @@
         </p:nvCxnSpPr>
         <p:spPr>
           <a:xfrm flipH="1">
-            <a:off x="3018886" y="1883631"/>
+            <a:off x="2967849" y="1542510"/>
             <a:ext cx="1491120" cy="0"/>
           </a:xfrm>
           <a:prstGeom prst="line">
@@ -4108,8 +4115,8 @@
         </p:nvCxnSpPr>
         <p:spPr>
           <a:xfrm flipH="1" flipV="1">
-            <a:off x="3018886" y="1883631"/>
-            <a:ext cx="338212" cy="531211"/>
+            <a:off x="2967850" y="1542510"/>
+            <a:ext cx="338212" cy="531212"/>
           </a:xfrm>
           <a:prstGeom prst="line">
             <a:avLst/>
@@ -4144,8 +4151,8 @@
         </p:nvCxnSpPr>
         <p:spPr>
           <a:xfrm flipH="1">
-            <a:off x="4180058" y="1883631"/>
-            <a:ext cx="329948" cy="531211"/>
+            <a:off x="4129022" y="1542510"/>
+            <a:ext cx="329948" cy="531212"/>
           </a:xfrm>
           <a:prstGeom prst="line">
             <a:avLst/>
@@ -4177,7 +4184,7 @@
         </p:nvSpPr>
         <p:spPr>
           <a:xfrm>
-            <a:off x="191425" y="736599"/>
+            <a:off x="140388" y="395482"/>
             <a:ext cx="625758" cy="2294065"/>
           </a:xfrm>
           <a:prstGeom prst="rect">
@@ -4209,7 +4216,7 @@
           <a:p>
             <a:pPr algn="ctr"/>
             <a:r>
-              <a:rPr lang="en-US" sz="800" dirty="0" smtClean="0">
+              <a:rPr lang="en-US" sz="900" dirty="0">
                 <a:latin typeface="Times New Roman" panose="02020603050405020304" pitchFamily="18" charset="0"/>
                 <a:cs typeface="Times New Roman" panose="02020603050405020304" pitchFamily="18" charset="0"/>
               </a:rPr>
@@ -4229,7 +4236,7 @@
         </p:nvCxnSpPr>
         <p:spPr>
           <a:xfrm rot="5400000" flipH="1" flipV="1">
-            <a:off x="2686742" y="848224"/>
+            <a:off x="2635709" y="507107"/>
             <a:ext cx="1" cy="4364879"/>
           </a:xfrm>
           <a:prstGeom prst="bentConnector3">
@@ -4267,7 +4274,7 @@
         </p:nvCxnSpPr>
         <p:spPr>
           <a:xfrm flipH="1">
-            <a:off x="817183" y="1883630"/>
+            <a:off x="766150" y="1542509"/>
             <a:ext cx="275535" cy="2"/>
           </a:xfrm>
           <a:prstGeom prst="line">
@@ -4303,7 +4310,7 @@
         </p:nvCxnSpPr>
         <p:spPr>
           <a:xfrm rot="16200000" flipH="1" flipV="1">
-            <a:off x="2686743" y="-1445842"/>
+            <a:off x="2635707" y="-1786963"/>
             <a:ext cx="1" cy="4364879"/>
           </a:xfrm>
           <a:prstGeom prst="bentConnector3">
@@ -4353,7 +4360,7 @@
 <file path=ppt/theme/theme1.xml><?xml version="1.0" encoding="utf-8"?>
 <a:theme xmlns:a="http://schemas.openxmlformats.org/drawingml/2006/main" name="Tema de Office">
   <a:themeElements>
-    <a:clrScheme name="Tema de Office">
+    <a:clrScheme name="Office Theme">
       <a:dk1>
         <a:sysClr val="windowText" lastClr="000000"/>
       </a:dk1>
@@ -4367,7 +4374,7 @@
         <a:srgbClr val="E7E6E6"/>
       </a:lt2>
       <a:accent1>
-        <a:srgbClr val="4472C4"/>
+        <a:srgbClr val="5B9BD5"/>
       </a:accent1>
       <a:accent2>
         <a:srgbClr val="ED7D31"/>
@@ -4379,7 +4386,7 @@
         <a:srgbClr val="FFC000"/>
       </a:accent4>
       <a:accent5>
-        <a:srgbClr val="5B9BD5"/>
+        <a:srgbClr val="4472C4"/>
       </a:accent5>
       <a:accent6>
         <a:srgbClr val="70AD47"/>
@@ -4391,14 +4398,14 @@
         <a:srgbClr val="954F72"/>
       </a:folHlink>
     </a:clrScheme>
-    <a:fontScheme name="Tema de Office">
+    <a:fontScheme name="Office Theme">
       <a:majorFont>
         <a:latin typeface="Calibri Light" panose="020F0302020204030204"/>
         <a:ea typeface=""/>
         <a:cs typeface=""/>
-        <a:font script="Jpan" typeface="游ゴシック Light"/>
+        <a:font script="Jpan" typeface="ＭＳ Ｐゴシック"/>
         <a:font script="Hang" typeface="맑은 고딕"/>
-        <a:font script="Hans" typeface="等线 Light"/>
+        <a:font script="Hans" typeface="宋体"/>
         <a:font script="Hant" typeface="新細明體"/>
         <a:font script="Arab" typeface="Times New Roman"/>
         <a:font script="Hebr" typeface="Times New Roman"/>
@@ -4431,9 +4438,9 @@
         <a:latin typeface="Calibri" panose="020F0502020204030204"/>
         <a:ea typeface=""/>
         <a:cs typeface=""/>
-        <a:font script="Jpan" typeface="游ゴシック"/>
+        <a:font script="Jpan" typeface="ＭＳ Ｐゴシック"/>
         <a:font script="Hang" typeface="맑은 고딕"/>
-        <a:font script="Hans" typeface="等线"/>
+        <a:font script="Hans" typeface="宋体"/>
         <a:font script="Hant" typeface="新細明體"/>
         <a:font script="Arab" typeface="Arial"/>
         <a:font script="Hebr" typeface="Arial"/>
@@ -4463,7 +4470,7 @@
         <a:font script="Geor" typeface="Sylfaen"/>
       </a:minorFont>
     </a:fontScheme>
-    <a:fmtScheme name="Tema de Office">
+    <a:fmtScheme name="Office Theme">
       <a:fillStyleLst>
         <a:solidFill>
           <a:schemeClr val="phClr"/>

--- a/bookdown-files/images/theory-model.pptx
+++ b/bookdown-files/images/theory-model.pptx
@@ -197,7 +197,7 @@
           <a:p>
             <a:fld id="{98DB4DC7-1920-4675-8E83-442C7712BA7E}" type="datetimeFigureOut">
               <a:rPr lang="en-GB" smtClean="0"/>
-              <a:t>24/04/2023</a:t>
+              <a:t>27/04/2023</a:t>
             </a:fld>
             <a:endParaRPr lang="en-GB"/>
           </a:p>
@@ -685,7 +685,7 @@
           <a:p>
             <a:fld id="{7C809603-0A2B-4FAA-8CCA-C215CBD5387F}" type="datetimeFigureOut">
               <a:rPr lang="en-US" smtClean="0"/>
-              <a:t>4/24/2023</a:t>
+              <a:t>4/27/2023</a:t>
             </a:fld>
             <a:endParaRPr lang="en-US"/>
           </a:p>
@@ -855,7 +855,7 @@
           <a:p>
             <a:fld id="{7C809603-0A2B-4FAA-8CCA-C215CBD5387F}" type="datetimeFigureOut">
               <a:rPr lang="en-US" smtClean="0"/>
-              <a:t>4/24/2023</a:t>
+              <a:t>4/27/2023</a:t>
             </a:fld>
             <a:endParaRPr lang="en-US"/>
           </a:p>
@@ -1035,7 +1035,7 @@
           <a:p>
             <a:fld id="{7C809603-0A2B-4FAA-8CCA-C215CBD5387F}" type="datetimeFigureOut">
               <a:rPr lang="en-US" smtClean="0"/>
-              <a:t>4/24/2023</a:t>
+              <a:t>4/27/2023</a:t>
             </a:fld>
             <a:endParaRPr lang="en-US"/>
           </a:p>
@@ -1205,7 +1205,7 @@
           <a:p>
             <a:fld id="{7C809603-0A2B-4FAA-8CCA-C215CBD5387F}" type="datetimeFigureOut">
               <a:rPr lang="en-US" smtClean="0"/>
-              <a:t>4/24/2023</a:t>
+              <a:t>4/27/2023</a:t>
             </a:fld>
             <a:endParaRPr lang="en-US"/>
           </a:p>
@@ -1451,7 +1451,7 @@
           <a:p>
             <a:fld id="{7C809603-0A2B-4FAA-8CCA-C215CBD5387F}" type="datetimeFigureOut">
               <a:rPr lang="en-US" smtClean="0"/>
-              <a:t>4/24/2023</a:t>
+              <a:t>4/27/2023</a:t>
             </a:fld>
             <a:endParaRPr lang="en-US"/>
           </a:p>
@@ -1683,7 +1683,7 @@
           <a:p>
             <a:fld id="{7C809603-0A2B-4FAA-8CCA-C215CBD5387F}" type="datetimeFigureOut">
               <a:rPr lang="en-US" smtClean="0"/>
-              <a:t>4/24/2023</a:t>
+              <a:t>4/27/2023</a:t>
             </a:fld>
             <a:endParaRPr lang="en-US"/>
           </a:p>
@@ -2050,7 +2050,7 @@
           <a:p>
             <a:fld id="{7C809603-0A2B-4FAA-8CCA-C215CBD5387F}" type="datetimeFigureOut">
               <a:rPr lang="en-US" smtClean="0"/>
-              <a:t>4/24/2023</a:t>
+              <a:t>4/27/2023</a:t>
             </a:fld>
             <a:endParaRPr lang="en-US"/>
           </a:p>
@@ -2168,7 +2168,7 @@
           <a:p>
             <a:fld id="{7C809603-0A2B-4FAA-8CCA-C215CBD5387F}" type="datetimeFigureOut">
               <a:rPr lang="en-US" smtClean="0"/>
-              <a:t>4/24/2023</a:t>
+              <a:t>4/27/2023</a:t>
             </a:fld>
             <a:endParaRPr lang="en-US"/>
           </a:p>
@@ -2263,7 +2263,7 @@
           <a:p>
             <a:fld id="{7C809603-0A2B-4FAA-8CCA-C215CBD5387F}" type="datetimeFigureOut">
               <a:rPr lang="en-US" smtClean="0"/>
-              <a:t>4/24/2023</a:t>
+              <a:t>4/27/2023</a:t>
             </a:fld>
             <a:endParaRPr lang="en-US"/>
           </a:p>
@@ -2540,7 +2540,7 @@
           <a:p>
             <a:fld id="{7C809603-0A2B-4FAA-8CCA-C215CBD5387F}" type="datetimeFigureOut">
               <a:rPr lang="en-US" smtClean="0"/>
-              <a:t>4/24/2023</a:t>
+              <a:t>4/27/2023</a:t>
             </a:fld>
             <a:endParaRPr lang="en-US"/>
           </a:p>
@@ -2797,7 +2797,7 @@
           <a:p>
             <a:fld id="{7C809603-0A2B-4FAA-8CCA-C215CBD5387F}" type="datetimeFigureOut">
               <a:rPr lang="en-US" smtClean="0"/>
-              <a:t>4/24/2023</a:t>
+              <a:t>4/27/2023</a:t>
             </a:fld>
             <a:endParaRPr lang="en-US"/>
           </a:p>
@@ -3010,7 +3010,7 @@
           <a:p>
             <a:fld id="{7C809603-0A2B-4FAA-8CCA-C215CBD5387F}" type="datetimeFigureOut">
               <a:rPr lang="en-US" smtClean="0"/>
-              <a:t>4/24/2023</a:t>
+              <a:t>4/27/2023</a:t>
             </a:fld>
             <a:endParaRPr lang="en-US"/>
           </a:p>
@@ -3420,7 +3420,7 @@
           <p:cNvPr id="104" name="Rectángulo 3">
             <a:extLst>
               <a:ext uri="{FF2B5EF4-FFF2-40B4-BE49-F238E27FC236}">
-                <a16:creationId xmlns:a16="http://schemas.microsoft.com/office/drawing/2014/main" xmlns="" id="{70261B79-5D89-227D-9429-3BF0A8DD0692}"/>
+                <a16:creationId xmlns="" xmlns:a16="http://schemas.microsoft.com/office/drawing/2014/main" id="{70261B79-5D89-227D-9429-3BF0A8DD0692}"/>
               </a:ext>
             </a:extLst>
           </p:cNvPr>
@@ -3467,10 +3467,6 @@
               </a:rPr>
               <a:t>Network structure</a:t>
             </a:r>
-            <a:endParaRPr lang="en-US" sz="700" b="1" dirty="0">
-              <a:latin typeface="Times New Roman" panose="02020603050405020304" pitchFamily="18" charset="0"/>
-              <a:cs typeface="Times New Roman" panose="02020603050405020304" pitchFamily="18" charset="0"/>
-            </a:endParaRPr>
           </a:p>
         </p:txBody>
       </p:sp>
@@ -3479,7 +3475,7 @@
           <p:cNvPr id="30" name="Rectángulo 3">
             <a:extLst>
               <a:ext uri="{FF2B5EF4-FFF2-40B4-BE49-F238E27FC236}">
-                <a16:creationId xmlns:a16="http://schemas.microsoft.com/office/drawing/2014/main" xmlns="" id="{70261B79-5D89-227D-9429-3BF0A8DD0692}"/>
+                <a16:creationId xmlns="" xmlns:a16="http://schemas.microsoft.com/office/drawing/2014/main" id="{70261B79-5D89-227D-9429-3BF0A8DD0692}"/>
               </a:ext>
             </a:extLst>
           </p:cNvPr>
@@ -3536,10 +3532,6 @@
               </a:rPr>
               <a:t>preferences</a:t>
             </a:r>
-            <a:endParaRPr lang="en-GB" sz="800" dirty="0">
-              <a:latin typeface="Times New Roman" panose="02020603050405020304" pitchFamily="18" charset="0"/>
-              <a:cs typeface="Times New Roman" panose="02020603050405020304" pitchFamily="18" charset="0"/>
-            </a:endParaRPr>
           </a:p>
         </p:txBody>
       </p:sp>
@@ -3548,7 +3540,7 @@
           <p:cNvPr id="29" name="Rectángulo 3">
             <a:extLst>
               <a:ext uri="{FF2B5EF4-FFF2-40B4-BE49-F238E27FC236}">
-                <a16:creationId xmlns:a16="http://schemas.microsoft.com/office/drawing/2014/main" xmlns="" id="{70261B79-5D89-227D-9429-3BF0A8DD0692}"/>
+                <a16:creationId xmlns="" xmlns:a16="http://schemas.microsoft.com/office/drawing/2014/main" id="{70261B79-5D89-227D-9429-3BF0A8DD0692}"/>
               </a:ext>
             </a:extLst>
           </p:cNvPr>
@@ -3595,10 +3587,6 @@
               </a:rPr>
               <a:t>Inequality Perception</a:t>
             </a:r>
-            <a:endParaRPr lang="en-US" sz="900" dirty="0">
-              <a:latin typeface="Times New Roman" panose="02020603050405020304" pitchFamily="18" charset="0"/>
-              <a:cs typeface="Times New Roman" panose="02020603050405020304" pitchFamily="18" charset="0"/>
-            </a:endParaRPr>
           </a:p>
         </p:txBody>
       </p:sp>
@@ -3607,7 +3595,7 @@
           <p:cNvPr id="37" name="Rectángulo 3">
             <a:extLst>
               <a:ext uri="{FF2B5EF4-FFF2-40B4-BE49-F238E27FC236}">
-                <a16:creationId xmlns:a16="http://schemas.microsoft.com/office/drawing/2014/main" xmlns="" id="{70261B79-5D89-227D-9429-3BF0A8DD0692}"/>
+                <a16:creationId xmlns="" xmlns:a16="http://schemas.microsoft.com/office/drawing/2014/main" id="{70261B79-5D89-227D-9429-3BF0A8DD0692}"/>
               </a:ext>
             </a:extLst>
           </p:cNvPr>
@@ -3654,10 +3642,6 @@
               </a:rPr>
               <a:t>Individual</a:t>
             </a:r>
-            <a:endParaRPr lang="en-US" sz="700" dirty="0">
-              <a:latin typeface="Times New Roman" panose="02020603050405020304" pitchFamily="18" charset="0"/>
-              <a:cs typeface="Times New Roman" panose="02020603050405020304" pitchFamily="18" charset="0"/>
-            </a:endParaRPr>
           </a:p>
         </p:txBody>
       </p:sp>
@@ -3666,7 +3650,7 @@
           <p:cNvPr id="39" name="Rectángulo 3">
             <a:extLst>
               <a:ext uri="{FF2B5EF4-FFF2-40B4-BE49-F238E27FC236}">
-                <a16:creationId xmlns:a16="http://schemas.microsoft.com/office/drawing/2014/main" xmlns="" id="{70261B79-5D89-227D-9429-3BF0A8DD0692}"/>
+                <a16:creationId xmlns="" xmlns:a16="http://schemas.microsoft.com/office/drawing/2014/main" id="{70261B79-5D89-227D-9429-3BF0A8DD0692}"/>
               </a:ext>
             </a:extLst>
           </p:cNvPr>
@@ -3897,10 +3881,6 @@
               </a:rPr>
               <a:t>Social ties</a:t>
             </a:r>
-            <a:endParaRPr lang="en-US" sz="900" dirty="0">
-              <a:latin typeface="Times New Roman" panose="02020603050405020304" pitchFamily="18" charset="0"/>
-              <a:cs typeface="Times New Roman" panose="02020603050405020304" pitchFamily="18" charset="0"/>
-            </a:endParaRPr>
           </a:p>
         </p:txBody>
       </p:sp>
@@ -3909,7 +3889,7 @@
           <p:cNvPr id="95" name="Rectángulo 3">
             <a:extLst>
               <a:ext uri="{FF2B5EF4-FFF2-40B4-BE49-F238E27FC236}">
-                <a16:creationId xmlns:a16="http://schemas.microsoft.com/office/drawing/2014/main" xmlns="" id="{70261B79-5D89-227D-9429-3BF0A8DD0692}"/>
+                <a16:creationId xmlns="" xmlns:a16="http://schemas.microsoft.com/office/drawing/2014/main" id="{70261B79-5D89-227D-9429-3BF0A8DD0692}"/>
               </a:ext>
             </a:extLst>
           </p:cNvPr>
@@ -3956,10 +3936,6 @@
               </a:rPr>
               <a:t>Social Resources</a:t>
             </a:r>
-            <a:endParaRPr lang="en-US" sz="900" dirty="0">
-              <a:latin typeface="Times New Roman" panose="02020603050405020304" pitchFamily="18" charset="0"/>
-              <a:cs typeface="Times New Roman" panose="02020603050405020304" pitchFamily="18" charset="0"/>
-            </a:endParaRPr>
           </a:p>
         </p:txBody>
       </p:sp>
@@ -3968,7 +3944,7 @@
           <p:cNvPr id="102" name="Rectángulo 3">
             <a:extLst>
               <a:ext uri="{FF2B5EF4-FFF2-40B4-BE49-F238E27FC236}">
-                <a16:creationId xmlns:a16="http://schemas.microsoft.com/office/drawing/2014/main" xmlns="" id="{70261B79-5D89-227D-9429-3BF0A8DD0692}"/>
+                <a16:creationId xmlns="" xmlns:a16="http://schemas.microsoft.com/office/drawing/2014/main" id="{70261B79-5D89-227D-9429-3BF0A8DD0692}"/>
               </a:ext>
             </a:extLst>
           </p:cNvPr>
@@ -4025,10 +4001,6 @@
               </a:rPr>
               <a:t>resources</a:t>
             </a:r>
-            <a:endParaRPr lang="en-US" sz="900" dirty="0">
-              <a:latin typeface="Times New Roman" panose="02020603050405020304" pitchFamily="18" charset="0"/>
-              <a:cs typeface="Times New Roman" panose="02020603050405020304" pitchFamily="18" charset="0"/>
-            </a:endParaRPr>
           </a:p>
         </p:txBody>
       </p:sp>
@@ -4319,6 +4291,10 @@
             </a:avLst>
           </a:prstGeom>
           <a:ln w="12700">
+            <a:solidFill>
+              <a:schemeClr val="tx1"/>
+            </a:solidFill>
+            <a:prstDash val="dash"/>
             <a:tailEnd type="triangle"/>
           </a:ln>
         </p:spPr>
